--- a/CS442IoTProject .pptx
+++ b/CS442IoTProject .pptx
@@ -6988,7 +6988,43 @@
                 <a:cs typeface="Times New Roman"/>
                 <a:sym typeface="Times New Roman"/>
               </a:rPr>
-              <a:t>By: Name</a:t>
+              <a:t>By: </a:t>
+            </a:r>
+            <a:r>
+              <a:rPr lang="en-US" sz="2000" dirty="0" err="1" smtClean="0">
+                <a:solidFill>
+                  <a:srgbClr val="0070C0"/>
+                </a:solidFill>
+                <a:latin typeface="Times New Roman"/>
+                <a:ea typeface="Times New Roman"/>
+                <a:cs typeface="Times New Roman"/>
+                <a:sym typeface="Times New Roman"/>
+              </a:rPr>
+              <a:t>Jesh</a:t>
+            </a:r>
+            <a:r>
+              <a:rPr lang="en-US" sz="2000" dirty="0" smtClean="0">
+                <a:solidFill>
+                  <a:srgbClr val="0070C0"/>
+                </a:solidFill>
+                <a:latin typeface="Times New Roman"/>
+                <a:ea typeface="Times New Roman"/>
+                <a:cs typeface="Times New Roman"/>
+                <a:sym typeface="Times New Roman"/>
+              </a:rPr>
+              <a:t> </a:t>
+            </a:r>
+            <a:r>
+              <a:rPr lang="en-US" sz="2000" dirty="0" err="1" smtClean="0">
+                <a:solidFill>
+                  <a:srgbClr val="0070C0"/>
+                </a:solidFill>
+                <a:latin typeface="Times New Roman"/>
+                <a:ea typeface="Times New Roman"/>
+                <a:cs typeface="Times New Roman"/>
+                <a:sym typeface="Times New Roman"/>
+              </a:rPr>
+              <a:t>Amera</a:t>
             </a:r>
             <a:endParaRPr sz="2000" dirty="0">
               <a:solidFill>
@@ -7032,7 +7068,43 @@
                 <a:cs typeface="Times New Roman"/>
                 <a:sym typeface="Times New Roman"/>
               </a:rPr>
-              <a:t>       Name</a:t>
+              <a:t>     : </a:t>
+            </a:r>
+            <a:r>
+              <a:rPr lang="en-US" sz="2000" dirty="0" err="1" smtClean="0">
+                <a:solidFill>
+                  <a:srgbClr val="0070C0"/>
+                </a:solidFill>
+                <a:latin typeface="Times New Roman"/>
+                <a:ea typeface="Times New Roman"/>
+                <a:cs typeface="Times New Roman"/>
+                <a:sym typeface="Times New Roman"/>
+              </a:rPr>
+              <a:t>Birva</a:t>
+            </a:r>
+            <a:r>
+              <a:rPr lang="en-US" sz="2000" dirty="0" smtClean="0">
+                <a:solidFill>
+                  <a:srgbClr val="0070C0"/>
+                </a:solidFill>
+                <a:latin typeface="Times New Roman"/>
+                <a:ea typeface="Times New Roman"/>
+                <a:cs typeface="Times New Roman"/>
+                <a:sym typeface="Times New Roman"/>
+              </a:rPr>
+              <a:t> </a:t>
+            </a:r>
+            <a:r>
+              <a:rPr lang="en-US" sz="2000" dirty="0" err="1" smtClean="0">
+                <a:solidFill>
+                  <a:srgbClr val="0070C0"/>
+                </a:solidFill>
+                <a:latin typeface="Times New Roman"/>
+                <a:ea typeface="Times New Roman"/>
+                <a:cs typeface="Times New Roman"/>
+                <a:sym typeface="Times New Roman"/>
+              </a:rPr>
+              <a:t>Sevak</a:t>
             </a:r>
             <a:endParaRPr sz="2000" dirty="0">
               <a:solidFill>
@@ -7283,50 +7355,66 @@
       </p:sp>
       <p:sp>
         <p:nvSpPr>
-          <p:cNvPr id="81" name="Google Shape;81;p17"/>
+          <p:cNvPr id="2" name="TextBox 1"/>
           <p:cNvSpPr txBox="1"/>
           <p:nvPr/>
         </p:nvSpPr>
         <p:spPr>
           <a:xfrm>
-            <a:off x="0" y="0"/>
-            <a:ext cx="9144000" cy="5143500"/>
+            <a:off x="513645" y="479776"/>
+            <a:ext cx="7845778" cy="738664"/>
           </a:xfrm>
           <a:prstGeom prst="rect">
             <a:avLst/>
           </a:prstGeom>
           <a:noFill/>
-          <a:ln>
-            <a:noFill/>
-          </a:ln>
         </p:spPr>
         <p:txBody>
-          <a:bodyPr spcFirstLastPara="1" wrap="square" lIns="91425" tIns="91425" rIns="91425" bIns="91425" anchor="t" anchorCtr="0">
-            <a:noAutofit/>
+          <a:bodyPr wrap="square" rtlCol="0">
+            <a:spAutoFit/>
           </a:bodyPr>
           <a:lstStyle/>
           <a:p>
-            <a:pPr lvl="0" algn="ctr"/>
             <a:r>
-              <a:rPr lang="en-US" sz="2300" dirty="0">
+              <a:rPr lang="en-US" dirty="0" smtClean="0">
                 <a:solidFill>
-                  <a:srgbClr val="FFFFFF"/>
+                  <a:schemeClr val="bg1"/>
                 </a:solidFill>
-                <a:latin typeface="Times New Roman"/>
-                <a:ea typeface="Times New Roman"/>
-                <a:cs typeface="Times New Roman"/>
-                <a:sym typeface="Times New Roman"/>
               </a:rPr>
-              <a:t>template...</a:t>
+              <a:t>Alexa Skill grocery order</a:t>
             </a:r>
-            <a:endParaRPr sz="2300" dirty="0">
+          </a:p>
+          <a:p>
+            <a:r>
+              <a:rPr lang="en-US" dirty="0" smtClean="0">
+                <a:solidFill>
+                  <a:schemeClr val="bg1"/>
+                </a:solidFill>
+              </a:rPr>
+              <a:t>Alexa Skill Covid-19 Doctor</a:t>
+            </a:r>
+          </a:p>
+          <a:p>
+            <a:r>
+              <a:rPr lang="en-US" dirty="0" smtClean="0">
+                <a:solidFill>
+                  <a:schemeClr val="bg1"/>
+                </a:solidFill>
+              </a:rPr>
+              <a:t>Alexa Skill </a:t>
+            </a:r>
+            <a:r>
+              <a:rPr lang="mr-IN" smtClean="0">
+                <a:solidFill>
+                  <a:schemeClr val="bg1"/>
+                </a:solidFill>
+              </a:rPr>
+              <a:t>…</a:t>
+            </a:r>
+            <a:endParaRPr lang="en-US" dirty="0">
               <a:solidFill>
-                <a:srgbClr val="FFFFFF"/>
+                <a:schemeClr val="bg1"/>
               </a:solidFill>
-              <a:latin typeface="Times New Roman"/>
-              <a:ea typeface="Times New Roman"/>
-              <a:cs typeface="Times New Roman"/>
-              <a:sym typeface="Times New Roman"/>
             </a:endParaRPr>
           </a:p>
         </p:txBody>
@@ -7351,134 +7439,9 @@
   <p:timing>
     <p:tnLst>
       <p:par>
-        <p:cTn id="1" dur="indefinite" restart="never" nodeType="tmRoot">
-          <p:childTnLst>
-            <p:seq concurrent="1" nextAc="seek">
-              <p:cTn id="2" dur="indefinite" nodeType="mainSeq">
-                <p:childTnLst>
-                  <p:par>
-                    <p:cTn id="3" fill="hold">
-                      <p:stCondLst>
-                        <p:cond delay="indefinite"/>
-                      </p:stCondLst>
-                      <p:childTnLst>
-                        <p:par>
-                          <p:cTn id="4" fill="hold">
-                            <p:stCondLst>
-                              <p:cond delay="0"/>
-                            </p:stCondLst>
-                            <p:childTnLst>
-                              <p:par>
-                                <p:cTn id="5" presetID="53" presetClass="entr" presetSubtype="16" fill="hold" grpId="0" nodeType="clickEffect">
-                                  <p:stCondLst>
-                                    <p:cond delay="0"/>
-                                  </p:stCondLst>
-                                  <p:childTnLst>
-                                    <p:set>
-                                      <p:cBhvr>
-                                        <p:cTn id="6" dur="1" fill="hold">
-                                          <p:stCondLst>
-                                            <p:cond delay="0"/>
-                                          </p:stCondLst>
-                                        </p:cTn>
-                                        <p:tgtEl>
-                                          <p:spTgt spid="81"/>
-                                        </p:tgtEl>
-                                        <p:attrNameLst>
-                                          <p:attrName>style.visibility</p:attrName>
-                                        </p:attrNameLst>
-                                      </p:cBhvr>
-                                      <p:to>
-                                        <p:strVal val="visible"/>
-                                      </p:to>
-                                    </p:set>
-                                    <p:anim calcmode="lin" valueType="num">
-                                      <p:cBhvr>
-                                        <p:cTn id="7" dur="500" fill="hold"/>
-                                        <p:tgtEl>
-                                          <p:spTgt spid="81"/>
-                                        </p:tgtEl>
-                                        <p:attrNameLst>
-                                          <p:attrName>ppt_w</p:attrName>
-                                        </p:attrNameLst>
-                                      </p:cBhvr>
-                                      <p:tavLst>
-                                        <p:tav tm="0">
-                                          <p:val>
-                                            <p:fltVal val="0"/>
-                                          </p:val>
-                                        </p:tav>
-                                        <p:tav tm="100000">
-                                          <p:val>
-                                            <p:strVal val="#ppt_w"/>
-                                          </p:val>
-                                        </p:tav>
-                                      </p:tavLst>
-                                    </p:anim>
-                                    <p:anim calcmode="lin" valueType="num">
-                                      <p:cBhvr>
-                                        <p:cTn id="8" dur="500" fill="hold"/>
-                                        <p:tgtEl>
-                                          <p:spTgt spid="81"/>
-                                        </p:tgtEl>
-                                        <p:attrNameLst>
-                                          <p:attrName>ppt_h</p:attrName>
-                                        </p:attrNameLst>
-                                      </p:cBhvr>
-                                      <p:tavLst>
-                                        <p:tav tm="0">
-                                          <p:val>
-                                            <p:fltVal val="0"/>
-                                          </p:val>
-                                        </p:tav>
-                                        <p:tav tm="100000">
-                                          <p:val>
-                                            <p:strVal val="#ppt_h"/>
-                                          </p:val>
-                                        </p:tav>
-                                      </p:tavLst>
-                                    </p:anim>
-                                    <p:animEffect transition="in" filter="fade">
-                                      <p:cBhvr>
-                                        <p:cTn id="9" dur="500"/>
-                                        <p:tgtEl>
-                                          <p:spTgt spid="81"/>
-                                        </p:tgtEl>
-                                      </p:cBhvr>
-                                    </p:animEffect>
-                                  </p:childTnLst>
-                                </p:cTn>
-                              </p:par>
-                            </p:childTnLst>
-                          </p:cTn>
-                        </p:par>
-                      </p:childTnLst>
-                    </p:cTn>
-                  </p:par>
-                </p:childTnLst>
-              </p:cTn>
-              <p:prevCondLst>
-                <p:cond evt="onPrev" delay="0">
-                  <p:tgtEl>
-                    <p:sldTgt/>
-                  </p:tgtEl>
-                </p:cond>
-              </p:prevCondLst>
-              <p:nextCondLst>
-                <p:cond evt="onNext" delay="0">
-                  <p:tgtEl>
-                    <p:sldTgt/>
-                  </p:tgtEl>
-                </p:cond>
-              </p:nextCondLst>
-            </p:seq>
-          </p:childTnLst>
-        </p:cTn>
+        <p:cTn id="1" dur="indefinite" restart="never" nodeType="tmRoot"/>
       </p:par>
     </p:tnLst>
-    <p:bldLst>
-      <p:bldP spid="81" grpId="0"/>
-    </p:bldLst>
   </p:timing>
 </p:sld>
 </file>

--- a/CS442IoTProject .pptx
+++ b/CS442IoTProject .pptx
@@ -7361,8 +7361,8 @@
         </p:nvSpPr>
         <p:spPr>
           <a:xfrm>
-            <a:off x="513645" y="479776"/>
-            <a:ext cx="7845778" cy="738664"/>
+            <a:off x="513645" y="491065"/>
+            <a:ext cx="7845778" cy="1708160"/>
           </a:xfrm>
           <a:prstGeom prst="rect">
             <a:avLst/>
@@ -7375,46 +7375,56 @@
           </a:bodyPr>
           <a:lstStyle/>
           <a:p>
+            <a:pPr>
+              <a:lnSpc>
+                <a:spcPct val="150000"/>
+              </a:lnSpc>
+            </a:pPr>
+            <a:r>
+              <a:rPr lang="en-US" dirty="0">
+                <a:solidFill>
+                  <a:schemeClr val="accent5">
+                    <a:lumMod val="60000"/>
+                    <a:lumOff val="40000"/>
+                  </a:schemeClr>
+                </a:solidFill>
+              </a:rPr>
+              <a:t>Smart Cart</a:t>
+            </a:r>
+            <a:r>
+              <a:rPr lang="en-US" dirty="0" smtClean="0">
+                <a:solidFill>
+                  <a:schemeClr val="accent5">
+                    <a:lumMod val="60000"/>
+                    <a:lumOff val="40000"/>
+                  </a:schemeClr>
+                </a:solidFill>
+              </a:rPr>
+              <a:t>: </a:t>
+            </a:r>
             <a:r>
               <a:rPr lang="en-US" dirty="0" smtClean="0">
                 <a:solidFill>
                   <a:schemeClr val="bg1"/>
                 </a:solidFill>
               </a:rPr>
-              <a:t>Alexa Skill grocery order</a:t>
+              <a:t>In </a:t>
             </a:r>
-          </a:p>
-          <a:p>
             <a:r>
-              <a:rPr lang="en-US" dirty="0" smtClean="0">
+              <a:rPr lang="en-US" dirty="0">
                 <a:solidFill>
                   <a:schemeClr val="bg1"/>
                 </a:solidFill>
               </a:rPr>
-              <a:t>Alexa Skill Covid-19 Doctor</a:t>
+              <a:t>this hard pandemic time, minimizing contact from a lot of things we used in our daily life reduces the risk of getting COVID-19. Understanding the fact, we came up with an idea to implement voice-controlled grocery shopping. The primary goal is building Alexa skill, which helps us to manage our grocery shopping list. We will implement add order remove order and much more functionality based on time and resources available. </a:t>
             </a:r>
-          </a:p>
-          <a:p>
-            <a:r>
-              <a:rPr lang="en-US" dirty="0" smtClean="0">
-                <a:solidFill>
-                  <a:schemeClr val="bg1"/>
-                </a:solidFill>
-              </a:rPr>
-              <a:t>Alexa Skill </a:t>
-            </a:r>
-            <a:r>
-              <a:rPr lang="mr-IN" smtClean="0">
-                <a:solidFill>
-                  <a:schemeClr val="bg1"/>
-                </a:solidFill>
-              </a:rPr>
-              <a:t>…</a:t>
-            </a:r>
-            <a:endParaRPr lang="en-US" dirty="0">
+            <a:endParaRPr lang="en-US" dirty="0" smtClean="0">
               <a:solidFill>
                 <a:schemeClr val="bg1"/>
               </a:solidFill>
+              <a:latin typeface="Times New Roman" charset="0"/>
+              <a:ea typeface="Times New Roman" charset="0"/>
+              <a:cs typeface="Times New Roman" charset="0"/>
             </a:endParaRPr>
           </a:p>
         </p:txBody>

--- a/CS442IoTProject .pptx
+++ b/CS442IoTProject .pptx
@@ -5,12 +5,13 @@
     <p:sldMasterId id="2147483660" r:id="rId1"/>
   </p:sldMasterIdLst>
   <p:notesMasterIdLst>
-    <p:notesMasterId r:id="rId5"/>
+    <p:notesMasterId r:id="rId6"/>
   </p:notesMasterIdLst>
   <p:sldIdLst>
     <p:sldId id="256" r:id="rId2"/>
     <p:sldId id="259" r:id="rId3"/>
-    <p:sldId id="270" r:id="rId4"/>
+    <p:sldId id="271" r:id="rId4"/>
+    <p:sldId id="270" r:id="rId5"/>
   </p:sldIdLst>
   <p:sldSz cx="9144000" cy="5143500" type="screen16x9"/>
   <p:notesSz cx="6858000" cy="9144000"/>
@@ -933,6 +934,115 @@
 </file>
 
 <file path=ppt/notesSlides/notesSlide3.xml><?xml version="1.0" encoding="utf-8"?>
+<p:notes xmlns:a="http://schemas.openxmlformats.org/drawingml/2006/main" xmlns:r="http://schemas.openxmlformats.org/officeDocument/2006/relationships" xmlns:p="http://schemas.openxmlformats.org/presentationml/2006/main" showMasterSp="0" showMasterPhAnim="0">
+  <p:cSld>
+    <p:spTree>
+      <p:nvGrpSpPr>
+        <p:cNvPr id="1" name="Shape 76"/>
+        <p:cNvGrpSpPr/>
+        <p:nvPr/>
+      </p:nvGrpSpPr>
+      <p:grpSpPr>
+        <a:xfrm>
+          <a:off x="0" y="0"/>
+          <a:ext cx="0" cy="0"/>
+          <a:chOff x="0" y="0"/>
+          <a:chExt cx="0" cy="0"/>
+        </a:xfrm>
+      </p:grpSpPr>
+      <p:sp>
+        <p:nvSpPr>
+          <p:cNvPr id="77" name="Google Shape;77;g543819cfbf_2_163:notes"/>
+          <p:cNvSpPr txBox="1">
+            <a:spLocks noGrp="1"/>
+          </p:cNvSpPr>
+          <p:nvPr>
+            <p:ph type="body" idx="1"/>
+          </p:nvPr>
+        </p:nvSpPr>
+        <p:spPr>
+          <a:xfrm>
+            <a:off x="685800" y="4343400"/>
+            <a:ext cx="5486400" cy="4114800"/>
+          </a:xfrm>
+          <a:prstGeom prst="rect">
+            <a:avLst/>
+          </a:prstGeom>
+        </p:spPr>
+        <p:txBody>
+          <a:bodyPr spcFirstLastPara="1" wrap="square" lIns="91425" tIns="91425" rIns="91425" bIns="91425" anchor="t" anchorCtr="0">
+            <a:noAutofit/>
+          </a:bodyPr>
+          <a:lstStyle/>
+          <a:p>
+            <a:pPr marL="0" lvl="0" indent="0" algn="l" rtl="0">
+              <a:spcBef>
+                <a:spcPts val="0"/>
+              </a:spcBef>
+              <a:spcAft>
+                <a:spcPts val="0"/>
+              </a:spcAft>
+              <a:buNone/>
+            </a:pPr>
+            <a:endParaRPr/>
+          </a:p>
+        </p:txBody>
+      </p:sp>
+      <p:sp>
+        <p:nvSpPr>
+          <p:cNvPr id="78" name="Google Shape;78;g543819cfbf_2_163:notes"/>
+          <p:cNvSpPr>
+            <a:spLocks noGrp="1" noRot="1" noChangeAspect="1"/>
+          </p:cNvSpPr>
+          <p:nvPr>
+            <p:ph type="sldImg" idx="2"/>
+          </p:nvPr>
+        </p:nvSpPr>
+        <p:spPr>
+          <a:xfrm>
+            <a:off x="381000" y="685800"/>
+            <a:ext cx="6096000" cy="3429000"/>
+          </a:xfrm>
+          <a:custGeom>
+            <a:avLst/>
+            <a:gdLst/>
+            <a:ahLst/>
+            <a:cxnLst/>
+            <a:rect l="l" t="t" r="r" b="b"/>
+            <a:pathLst>
+              <a:path w="120000" h="120000" extrusionOk="0">
+                <a:moveTo>
+                  <a:pt x="0" y="0"/>
+                </a:moveTo>
+                <a:lnTo>
+                  <a:pt x="120000" y="0"/>
+                </a:lnTo>
+                <a:lnTo>
+                  <a:pt x="120000" y="120000"/>
+                </a:lnTo>
+                <a:lnTo>
+                  <a:pt x="0" y="120000"/>
+                </a:lnTo>
+                <a:close/>
+              </a:path>
+            </a:pathLst>
+          </a:custGeom>
+        </p:spPr>
+      </p:sp>
+    </p:spTree>
+    <p:extLst>
+      <p:ext uri="{BB962C8B-B14F-4D97-AF65-F5344CB8AC3E}">
+        <p14:creationId xmlns:p14="http://schemas.microsoft.com/office/powerpoint/2010/main" val="621198751"/>
+      </p:ext>
+    </p:extLst>
+  </p:cSld>
+  <p:clrMapOvr>
+    <a:masterClrMapping/>
+  </p:clrMapOvr>
+</p:notes>
+</file>
+
+<file path=ppt/notesSlides/notesSlide4.xml><?xml version="1.0" encoding="utf-8"?>
 <p:notes xmlns:a="http://schemas.openxmlformats.org/drawingml/2006/main" xmlns:r="http://schemas.openxmlformats.org/officeDocument/2006/relationships" xmlns:p="http://schemas.openxmlformats.org/presentationml/2006/main" showMasterSp="0" showMasterPhAnim="0">
   <p:cSld>
     <p:spTree>
@@ -7459,6 +7569,222 @@
 <file path=ppt/slides/slide3.xml><?xml version="1.0" encoding="utf-8"?>
 <p:sld xmlns:a="http://schemas.openxmlformats.org/drawingml/2006/main" xmlns:r="http://schemas.openxmlformats.org/officeDocument/2006/relationships" xmlns:p="http://schemas.openxmlformats.org/presentationml/2006/main">
   <p:cSld>
+    <p:bg>
+      <p:bgPr>
+        <a:solidFill>
+          <a:srgbClr val="0070C0"/>
+        </a:solidFill>
+        <a:effectLst/>
+      </p:bgPr>
+    </p:bg>
+    <p:spTree>
+      <p:nvGrpSpPr>
+        <p:cNvPr id="1" name="Shape 79"/>
+        <p:cNvGrpSpPr/>
+        <p:nvPr/>
+      </p:nvGrpSpPr>
+      <p:grpSpPr>
+        <a:xfrm>
+          <a:off x="0" y="0"/>
+          <a:ext cx="0" cy="0"/>
+          <a:chOff x="0" y="0"/>
+          <a:chExt cx="0" cy="0"/>
+        </a:xfrm>
+      </p:grpSpPr>
+      <p:sp>
+        <p:nvSpPr>
+          <p:cNvPr id="80" name="Google Shape;80;p17"/>
+          <p:cNvSpPr txBox="1"/>
+          <p:nvPr/>
+        </p:nvSpPr>
+        <p:spPr>
+          <a:xfrm>
+            <a:off x="5672200" y="4569600"/>
+            <a:ext cx="2386800" cy="573900"/>
+          </a:xfrm>
+          <a:prstGeom prst="rect">
+            <a:avLst/>
+          </a:prstGeom>
+          <a:noFill/>
+          <a:ln>
+            <a:noFill/>
+          </a:ln>
+        </p:spPr>
+        <p:txBody>
+          <a:bodyPr spcFirstLastPara="1" wrap="square" lIns="91425" tIns="91425" rIns="91425" bIns="91425" anchor="t" anchorCtr="0">
+            <a:noAutofit/>
+          </a:bodyPr>
+          <a:lstStyle/>
+          <a:p>
+            <a:pPr marL="0" lvl="0" indent="0" algn="l" rtl="0">
+              <a:spcBef>
+                <a:spcPts val="0"/>
+              </a:spcBef>
+              <a:spcAft>
+                <a:spcPts val="0"/>
+              </a:spcAft>
+              <a:buNone/>
+            </a:pPr>
+            <a:endParaRPr/>
+          </a:p>
+        </p:txBody>
+      </p:sp>
+      <p:sp>
+        <p:nvSpPr>
+          <p:cNvPr id="2" name="TextBox 1"/>
+          <p:cNvSpPr txBox="1"/>
+          <p:nvPr/>
+        </p:nvSpPr>
+        <p:spPr>
+          <a:xfrm>
+            <a:off x="502356" y="491065"/>
+            <a:ext cx="7845778" cy="1061829"/>
+          </a:xfrm>
+          <a:prstGeom prst="rect">
+            <a:avLst/>
+          </a:prstGeom>
+          <a:noFill/>
+        </p:spPr>
+        <p:txBody>
+          <a:bodyPr wrap="square" rtlCol="0">
+            <a:spAutoFit/>
+          </a:bodyPr>
+          <a:lstStyle/>
+          <a:p>
+            <a:pPr>
+              <a:lnSpc>
+                <a:spcPct val="150000"/>
+              </a:lnSpc>
+            </a:pPr>
+            <a:r>
+              <a:rPr lang="en-US" dirty="0">
+                <a:solidFill>
+                  <a:schemeClr val="accent5">
+                    <a:lumMod val="60000"/>
+                    <a:lumOff val="40000"/>
+                  </a:schemeClr>
+                </a:solidFill>
+                <a:latin typeface="+mj-lt"/>
+                <a:ea typeface="Times New Roman" charset="0"/>
+                <a:cs typeface="Times New Roman" charset="0"/>
+              </a:rPr>
+              <a:t>Smart Cart</a:t>
+            </a:r>
+            <a:r>
+              <a:rPr lang="en-US" dirty="0">
+                <a:solidFill>
+                  <a:schemeClr val="accent5">
+                    <a:lumMod val="60000"/>
+                    <a:lumOff val="40000"/>
+                  </a:schemeClr>
+                </a:solidFill>
+                <a:latin typeface="+mj-lt"/>
+                <a:ea typeface="Times New Roman" charset="0"/>
+                <a:cs typeface="Times New Roman" charset="0"/>
+              </a:rPr>
+              <a:t>: </a:t>
+            </a:r>
+            <a:r>
+              <a:rPr lang="en-US" dirty="0">
+                <a:solidFill>
+                  <a:srgbClr val="FFFFFF"/>
+                </a:solidFill>
+                <a:latin typeface="+mj-lt"/>
+                <a:ea typeface="Times New Roman" charset="0"/>
+                <a:cs typeface="Times New Roman" charset="0"/>
+              </a:rPr>
+              <a:t>The skill we have to build is a smart cart grocery order assistant called “S cart”. The user can add, remove/delete, and checkout grocery items. The record will be stored in AWS </a:t>
+            </a:r>
+            <a:r>
+              <a:rPr lang="en-US" dirty="0" smtClean="0">
+                <a:solidFill>
+                  <a:srgbClr val="FFFFFF"/>
+                </a:solidFill>
+                <a:latin typeface="+mj-lt"/>
+                <a:ea typeface="Times New Roman" charset="0"/>
+                <a:cs typeface="Times New Roman" charset="0"/>
+              </a:rPr>
+              <a:t>Dynamo DB - </a:t>
+            </a:r>
+            <a:r>
+              <a:rPr lang="en-US" dirty="0">
+                <a:solidFill>
+                  <a:srgbClr val="FFFFFF"/>
+                </a:solidFill>
+                <a:latin typeface="+mj-lt"/>
+                <a:ea typeface="Times New Roman" charset="0"/>
+                <a:cs typeface="Times New Roman" charset="0"/>
+              </a:rPr>
+              <a:t>a no SQL DB, which is unstructured, and linked with it with a </a:t>
+            </a:r>
+            <a:r>
+              <a:rPr lang="en-US" dirty="0" err="1" smtClean="0">
+                <a:solidFill>
+                  <a:srgbClr val="FFFFFF"/>
+                </a:solidFill>
+                <a:latin typeface="+mj-lt"/>
+                <a:ea typeface="Times New Roman" charset="0"/>
+                <a:cs typeface="Times New Roman" charset="0"/>
+              </a:rPr>
+              <a:t>userId</a:t>
+            </a:r>
+            <a:r>
+              <a:rPr lang="en-US" dirty="0">
+                <a:solidFill>
+                  <a:srgbClr val="FFFFFF"/>
+                </a:solidFill>
+                <a:latin typeface="+mj-lt"/>
+                <a:ea typeface="Times New Roman" charset="0"/>
+                <a:cs typeface="Times New Roman" charset="0"/>
+              </a:rPr>
+              <a:t>.</a:t>
+            </a:r>
+            <a:endParaRPr lang="en-US" dirty="0" smtClean="0">
+              <a:solidFill>
+                <a:srgbClr val="FFFFFF"/>
+              </a:solidFill>
+              <a:latin typeface="+mj-lt"/>
+              <a:ea typeface="Times New Roman" charset="0"/>
+              <a:cs typeface="Times New Roman" charset="0"/>
+            </a:endParaRPr>
+          </a:p>
+        </p:txBody>
+      </p:sp>
+    </p:spTree>
+    <p:extLst>
+      <p:ext uri="{BB962C8B-B14F-4D97-AF65-F5344CB8AC3E}">
+        <p14:creationId xmlns:p14="http://schemas.microsoft.com/office/powerpoint/2010/main" val="705983718"/>
+      </p:ext>
+    </p:extLst>
+  </p:cSld>
+  <p:clrMapOvr>
+    <a:masterClrMapping/>
+  </p:clrMapOvr>
+  <mc:AlternateContent xmlns:mc="http://schemas.openxmlformats.org/markup-compatibility/2006" xmlns:p15="http://schemas.microsoft.com/office/powerpoint/2012/main">
+    <mc:Choice Requires="p15">
+      <p:transition xmlns:p14="http://schemas.microsoft.com/office/powerpoint/2010/main" spd="slow" p14:dur="1250">
+        <p15:prstTrans prst="peelOff"/>
+      </p:transition>
+    </mc:Choice>
+    <mc:Fallback xmlns="">
+      <p:transition spd="slow">
+        <p:fade/>
+      </p:transition>
+    </mc:Fallback>
+  </mc:AlternateContent>
+  <p:timing>
+    <p:tnLst>
+      <p:par>
+        <p:cTn id="1" dur="indefinite" restart="never" nodeType="tmRoot"/>
+      </p:par>
+    </p:tnLst>
+  </p:timing>
+</p:sld>
+</file>
+
+<file path=ppt/slides/slide4.xml><?xml version="1.0" encoding="utf-8"?>
+<p:sld xmlns:a="http://schemas.openxmlformats.org/drawingml/2006/main" xmlns:r="http://schemas.openxmlformats.org/officeDocument/2006/relationships" xmlns:p="http://schemas.openxmlformats.org/presentationml/2006/main">
+  <p:cSld>
     <p:spTree>
       <p:nvGrpSpPr>
         <p:cNvPr id="1" name="Shape 155"/>

--- a/CS442IoTProject .pptx
+++ b/CS442IoTProject .pptx
@@ -6869,7 +6869,31 @@
                 <a:cs typeface="Times New Roman"/>
                 <a:sym typeface="Times New Roman"/>
               </a:rPr>
-              <a:t> 2019</a:t>
+              <a:t> </a:t>
+            </a:r>
+            <a:r>
+              <a:rPr lang="en-US" sz="2000" b="1" cap="none" dirty="0" smtClean="0">
+                <a:solidFill>
+                  <a:srgbClr val="0070C0"/>
+                </a:solidFill>
+                <a:latin typeface="Times New Roman"/>
+                <a:ea typeface="Times New Roman"/>
+                <a:cs typeface="Times New Roman"/>
+                <a:sym typeface="Times New Roman"/>
+              </a:rPr>
+              <a:t>13/</a:t>
+            </a:r>
+            <a:r>
+              <a:rPr lang="en" sz="2000" b="1" cap="none" dirty="0" smtClean="0">
+                <a:solidFill>
+                  <a:srgbClr val="0070C0"/>
+                </a:solidFill>
+                <a:latin typeface="Times New Roman"/>
+                <a:ea typeface="Times New Roman"/>
+                <a:cs typeface="Times New Roman"/>
+                <a:sym typeface="Times New Roman"/>
+              </a:rPr>
+              <a:t>2019</a:t>
             </a:r>
             <a:endParaRPr sz="1050" b="1" cap="none" dirty="0">
               <a:solidFill>
@@ -7471,8 +7495,8 @@
         </p:nvSpPr>
         <p:spPr>
           <a:xfrm>
-            <a:off x="513645" y="491065"/>
-            <a:ext cx="7845778" cy="1708160"/>
+            <a:off x="654756" y="327376"/>
+            <a:ext cx="7845778" cy="3970318"/>
           </a:xfrm>
           <a:prstGeom prst="rect">
             <a:avLst/>
@@ -7491,17 +7515,6 @@
               </a:lnSpc>
             </a:pPr>
             <a:r>
-              <a:rPr lang="en-US" dirty="0">
-                <a:solidFill>
-                  <a:schemeClr val="accent5">
-                    <a:lumMod val="60000"/>
-                    <a:lumOff val="40000"/>
-                  </a:schemeClr>
-                </a:solidFill>
-              </a:rPr>
-              <a:t>Smart Cart</a:t>
-            </a:r>
-            <a:r>
               <a:rPr lang="en-US" dirty="0" smtClean="0">
                 <a:solidFill>
                   <a:schemeClr val="accent5">
@@ -7510,24 +7523,167 @@
                   </a:schemeClr>
                 </a:solidFill>
               </a:rPr>
-              <a:t>: </a:t>
+              <a:t>Alexa “Smart Cart” Skill</a:t>
+            </a:r>
+          </a:p>
+          <a:p>
+            <a:pPr>
+              <a:lnSpc>
+                <a:spcPct val="150000"/>
+              </a:lnSpc>
+            </a:pPr>
+            <a:endParaRPr lang="en-US" dirty="0" smtClean="0">
+              <a:solidFill>
+                <a:schemeClr val="accent5">
+                  <a:lumMod val="60000"/>
+                  <a:lumOff val="40000"/>
+                </a:schemeClr>
+              </a:solidFill>
+            </a:endParaRPr>
+          </a:p>
+          <a:p>
+            <a:pPr marL="285750" indent="-285750">
+              <a:lnSpc>
+                <a:spcPct val="150000"/>
+              </a:lnSpc>
+              <a:buFont typeface="Wingdings" charset="2"/>
+              <a:buChar char="Ø"/>
+            </a:pPr>
+            <a:r>
+              <a:rPr lang="en-US" dirty="0">
+                <a:solidFill>
+                  <a:srgbClr val="FFFFFF"/>
+                </a:solidFill>
+              </a:rPr>
+              <a:t>We have built a custom Alexa skill with the capability to manage our shopping </a:t>
             </a:r>
             <a:r>
               <a:rPr lang="en-US" dirty="0" smtClean="0">
                 <a:solidFill>
-                  <a:schemeClr val="bg1"/>
+                  <a:srgbClr val="FFFFFF"/>
                 </a:solidFill>
               </a:rPr>
-              <a:t>In </a:t>
+              <a:t>activity.</a:t>
             </a:r>
+          </a:p>
+          <a:p>
+            <a:pPr marL="285750" indent="-285750">
+              <a:lnSpc>
+                <a:spcPct val="150000"/>
+              </a:lnSpc>
+              <a:buFont typeface="Wingdings" charset="2"/>
+              <a:buChar char="Ø"/>
+            </a:pPr>
+            <a:r>
+              <a:rPr lang="en-US" dirty="0">
+                <a:solidFill>
+                  <a:srgbClr val="FFFFFF"/>
+                </a:solidFill>
+              </a:rPr>
+              <a:t>Smart cart skill had designed with add, remove, </a:t>
+            </a:r>
+            <a:r>
+              <a:rPr lang="en-US" dirty="0" smtClean="0">
+                <a:solidFill>
+                  <a:srgbClr val="FFFFFF"/>
+                </a:solidFill>
+              </a:rPr>
+              <a:t>list, and </a:t>
+            </a:r>
+            <a:r>
+              <a:rPr lang="en-US" dirty="0">
+                <a:solidFill>
+                  <a:srgbClr val="FFFFFF"/>
+                </a:solidFill>
+              </a:rPr>
+              <a:t>checkout </a:t>
+            </a:r>
+            <a:r>
+              <a:rPr lang="en-US" dirty="0" smtClean="0">
+                <a:solidFill>
+                  <a:srgbClr val="FFFFFF"/>
+                </a:solidFill>
+              </a:rPr>
+              <a:t>intents. </a:t>
+            </a:r>
+          </a:p>
+          <a:p>
+            <a:pPr marL="285750" indent="-285750">
+              <a:lnSpc>
+                <a:spcPct val="150000"/>
+              </a:lnSpc>
+              <a:buFont typeface="Wingdings" charset="2"/>
+              <a:buChar char="Ø"/>
+            </a:pPr>
+            <a:r>
+              <a:rPr lang="en-US" dirty="0">
+                <a:solidFill>
+                  <a:srgbClr val="FFFFFF"/>
+                </a:solidFill>
+              </a:rPr>
+              <a:t>It is a voice-controlled grocery shopping. The primary goal is building Alexa skill, which helps us to manage our grocery shopping list. We had implemented add Item, remove Item, list all item functionality</a:t>
+            </a:r>
+            <a:r>
+              <a:rPr lang="en-US" dirty="0" smtClean="0">
+                <a:solidFill>
+                  <a:srgbClr val="FFFFFF"/>
+                </a:solidFill>
+              </a:rPr>
+              <a:t>.</a:t>
+            </a:r>
+          </a:p>
+          <a:p>
+            <a:pPr marL="285750" indent="-285750">
+              <a:lnSpc>
+                <a:spcPct val="150000"/>
+              </a:lnSpc>
+              <a:buFont typeface="Wingdings" charset="2"/>
+              <a:buChar char="Ø"/>
+            </a:pPr>
+            <a:r>
+              <a:rPr lang="en-US" dirty="0">
+                <a:solidFill>
+                  <a:srgbClr val="FFFFFF"/>
+                </a:solidFill>
+              </a:rPr>
+              <a:t>When the user invokes the skill name open “smart cart”, the custom skill will start with a welcome greeting.</a:t>
+            </a:r>
+            <a:endParaRPr lang="en-US" dirty="0" smtClean="0">
+              <a:solidFill>
+                <a:srgbClr val="FFFFFF"/>
+              </a:solidFill>
+            </a:endParaRPr>
+          </a:p>
+          <a:p>
+            <a:pPr marL="285750" indent="-285750">
+              <a:lnSpc>
+                <a:spcPct val="150000"/>
+              </a:lnSpc>
+              <a:buFont typeface="Wingdings" charset="2"/>
+              <a:buChar char="Ø"/>
+            </a:pPr>
             <a:r>
               <a:rPr lang="en-US" dirty="0">
                 <a:solidFill>
                   <a:schemeClr val="bg1"/>
                 </a:solidFill>
               </a:rPr>
-              <a:t>this hard pandemic time, minimizing contact from a lot of things we used in our daily life reduces the risk of getting COVID-19. Understanding the fact, we came up with an idea to implement voice-controlled grocery shopping. The primary goal is building Alexa skill, which helps us to manage our grocery shopping list. We will implement add order remove order and much more functionality based on time and resources available. </a:t>
+              <a:t>When the user wants to add an item or items, the user has to say “add 4 pieces of Avocado”, and for remove, it is similar, quantity followed by item name.</a:t>
             </a:r>
+            <a:endParaRPr lang="en-US" dirty="0" smtClean="0">
+              <a:solidFill>
+                <a:schemeClr val="bg1"/>
+              </a:solidFill>
+            </a:endParaRPr>
+          </a:p>
+          <a:p>
+            <a:pPr marL="285750" indent="-285750">
+              <a:lnSpc>
+                <a:spcPct val="150000"/>
+              </a:lnSpc>
+              <a:buFont typeface="Wingdings" charset="2"/>
+              <a:buChar char="Ø"/>
+            </a:pPr>
             <a:endParaRPr lang="en-US" dirty="0" smtClean="0">
               <a:solidFill>
                 <a:schemeClr val="bg1"/>
@@ -7638,7 +7794,7 @@
         <p:spPr>
           <a:xfrm>
             <a:off x="502356" y="491065"/>
-            <a:ext cx="7845778" cy="1061829"/>
+            <a:ext cx="7845778" cy="2031325"/>
           </a:xfrm>
           <a:prstGeom prst="rect">
             <a:avLst/>
@@ -7651,39 +7807,30 @@
           </a:bodyPr>
           <a:lstStyle/>
           <a:p>
-            <a:pPr>
+            <a:pPr marL="285750" indent="-285750">
               <a:lnSpc>
                 <a:spcPct val="150000"/>
               </a:lnSpc>
+              <a:buFont typeface="Wingdings" charset="2"/>
+              <a:buChar char="Ø"/>
             </a:pPr>
-            <a:r>
-              <a:rPr lang="en-US" dirty="0">
-                <a:solidFill>
-                  <a:schemeClr val="accent5">
-                    <a:lumMod val="60000"/>
-                    <a:lumOff val="40000"/>
-                  </a:schemeClr>
-                </a:solidFill>
-                <a:latin typeface="+mj-lt"/>
-                <a:ea typeface="Times New Roman" charset="0"/>
-                <a:cs typeface="Times New Roman" charset="0"/>
-              </a:rPr>
-              <a:t>Smart Cart</a:t>
-            </a:r>
-            <a:r>
-              <a:rPr lang="en-US" dirty="0">
-                <a:solidFill>
-                  <a:schemeClr val="accent5">
-                    <a:lumMod val="60000"/>
-                    <a:lumOff val="40000"/>
-                  </a:schemeClr>
-                </a:solidFill>
-                <a:latin typeface="+mj-lt"/>
-                <a:ea typeface="Times New Roman" charset="0"/>
-                <a:cs typeface="Times New Roman" charset="0"/>
-              </a:rPr>
-              <a:t>: </a:t>
-            </a:r>
+            <a:endParaRPr lang="en-US" dirty="0" smtClean="0">
+              <a:solidFill>
+                <a:srgbClr val="FFFFFF"/>
+              </a:solidFill>
+              <a:latin typeface="+mj-lt"/>
+              <a:ea typeface="Times New Roman" charset="0"/>
+              <a:cs typeface="Times New Roman" charset="0"/>
+            </a:endParaRPr>
+          </a:p>
+          <a:p>
+            <a:pPr marL="285750" indent="-285750">
+              <a:lnSpc>
+                <a:spcPct val="150000"/>
+              </a:lnSpc>
+              <a:buFont typeface="Wingdings" charset="2"/>
+              <a:buChar char="Ø"/>
+            </a:pPr>
             <a:r>
               <a:rPr lang="en-US" dirty="0">
                 <a:solidFill>
@@ -7693,7 +7840,7 @@
                 <a:ea typeface="Times New Roman" charset="0"/>
                 <a:cs typeface="Times New Roman" charset="0"/>
               </a:rPr>
-              <a:t>The skill we have to build is a smart cart grocery order assistant called “S cart”. The user can add, remove/delete, and checkout grocery items. The record will be stored in AWS </a:t>
+              <a:t>Initially, We have tried to store the record in AWS Dynamo DB - a no SQL DB, which is unstructured, and linked with it with a given user ID</a:t>
             </a:r>
             <a:r>
               <a:rPr lang="en-US" dirty="0" smtClean="0">
@@ -7704,10 +7851,19 @@
                 <a:ea typeface="Times New Roman" charset="0"/>
                 <a:cs typeface="Times New Roman" charset="0"/>
               </a:rPr>
-              <a:t>Dynamo DB - </a:t>
+              <a:t>.</a:t>
             </a:r>
+          </a:p>
+          <a:p>
+            <a:pPr marL="285750" indent="-285750">
+              <a:lnSpc>
+                <a:spcPct val="150000"/>
+              </a:lnSpc>
+              <a:buFont typeface="Wingdings" charset="2"/>
+              <a:buChar char="Ø"/>
+            </a:pPr>
             <a:r>
-              <a:rPr lang="en-US" dirty="0">
+              <a:rPr lang="en-US" dirty="0" smtClean="0">
                 <a:solidFill>
                   <a:srgbClr val="FFFFFF"/>
                 </a:solidFill>
@@ -7715,10 +7871,19 @@
                 <a:ea typeface="Times New Roman" charset="0"/>
                 <a:cs typeface="Times New Roman" charset="0"/>
               </a:rPr>
-              <a:t>a no SQL DB, which is unstructured, and linked with it with a </a:t>
+              <a:t>We have got some IAM policy configuration issue and implemented just using front end, and lambda.</a:t>
             </a:r>
+          </a:p>
+          <a:p>
+            <a:pPr marL="285750" indent="-285750">
+              <a:lnSpc>
+                <a:spcPct val="150000"/>
+              </a:lnSpc>
+              <a:buFont typeface="Wingdings" charset="2"/>
+              <a:buChar char="Ø"/>
+            </a:pPr>
             <a:r>
-              <a:rPr lang="en-US" dirty="0" err="1" smtClean="0">
+              <a:rPr lang="en-US" dirty="0" smtClean="0">
                 <a:solidFill>
                   <a:srgbClr val="FFFFFF"/>
                 </a:solidFill>
@@ -7726,20 +7891,9 @@
                 <a:ea typeface="Times New Roman" charset="0"/>
                 <a:cs typeface="Times New Roman" charset="0"/>
               </a:rPr>
-              <a:t>userId</a:t>
+              <a:t>Intent is just a method, and slot is a bucket or variable.</a:t>
             </a:r>
-            <a:r>
-              <a:rPr lang="en-US" dirty="0">
-                <a:solidFill>
-                  <a:srgbClr val="FFFFFF"/>
-                </a:solidFill>
-                <a:latin typeface="+mj-lt"/>
-                <a:ea typeface="Times New Roman" charset="0"/>
-                <a:cs typeface="Times New Roman" charset="0"/>
-              </a:rPr>
-              <a:t>.</a:t>
-            </a:r>
-            <a:endParaRPr lang="en-US" dirty="0" smtClean="0">
+            <a:endParaRPr lang="en-US" dirty="0">
               <a:solidFill>
                 <a:srgbClr val="FFFFFF"/>
               </a:solidFill>

--- a/CS442IoTProject .pptx
+++ b/CS442IoTProject .pptx
@@ -5,13 +5,15 @@
     <p:sldMasterId id="2147483660" r:id="rId1"/>
   </p:sldMasterIdLst>
   <p:notesMasterIdLst>
-    <p:notesMasterId r:id="rId6"/>
+    <p:notesMasterId r:id="rId8"/>
   </p:notesMasterIdLst>
   <p:sldIdLst>
     <p:sldId id="256" r:id="rId2"/>
     <p:sldId id="259" r:id="rId3"/>
     <p:sldId id="271" r:id="rId4"/>
-    <p:sldId id="270" r:id="rId5"/>
+    <p:sldId id="273" r:id="rId5"/>
+    <p:sldId id="272" r:id="rId6"/>
+    <p:sldId id="270" r:id="rId7"/>
   </p:sldIdLst>
   <p:sldSz cx="9144000" cy="5143500" type="screen16x9"/>
   <p:notesSz cx="6858000" cy="9144000"/>
@@ -265,10 +267,68 @@
 
 <file path=ppt/commentAuthors.xml><?xml version="1.0" encoding="utf-8"?>
 <p:cmAuthorLst xmlns:a="http://schemas.openxmlformats.org/drawingml/2006/main" xmlns:r="http://schemas.openxmlformats.org/officeDocument/2006/relationships" xmlns:p="http://schemas.openxmlformats.org/presentationml/2006/main">
-  <p:cmAuthor id="1" name="Microsoft Office User" initials="Office" lastIdx="0" clrIdx="0">
-    <p:extLst/>
-  </p:cmAuthor>
+  <p:cmAuthor id="1" name="Microsoft Office User" initials="Office" lastIdx="0" clrIdx="0"/>
 </p:cmAuthorLst>
+</file>
+
+<file path=ppt/revisionInfo.xml><?xml version="1.0" encoding="utf-8"?>
+<p1510:revInfo xmlns:a="http://schemas.openxmlformats.org/drawingml/2006/main" xmlns:r="http://schemas.openxmlformats.org/officeDocument/2006/relationships" xmlns:p1510="http://schemas.microsoft.com/office/powerpoint/2015/10/main">
+  <p1510:revLst>
+    <p1510:client id="{4CBBFCEA-3AE4-48B7-8492-0DE5B4D49A13}" v="8" dt="2020-05-13T15:27:37.854"/>
+  </p1510:revLst>
+</p1510:revInfo>
+</file>
+
+<file path=ppt/changesInfos/changesInfo1.xml><?xml version="1.0" encoding="utf-8"?>
+<pc:chgInfo xmlns:a="http://schemas.openxmlformats.org/drawingml/2006/main" xmlns:r="http://schemas.openxmlformats.org/officeDocument/2006/relationships" xmlns:ac="http://schemas.microsoft.com/office/drawing/2013/main/command" xmlns:pc="http://schemas.microsoft.com/office/powerpoint/2013/main/command">
+  <pc:docChgLst>
+    <pc:chgData name="Birva N Sevak" userId="274f1eae-0de7-4eb8-a8ff-1256297a7af3" providerId="ADAL" clId="{4CBBFCEA-3AE4-48B7-8492-0DE5B4D49A13}"/>
+    <pc:docChg chg="custSel addSld modSld">
+      <pc:chgData name="Birva N Sevak" userId="274f1eae-0de7-4eb8-a8ff-1256297a7af3" providerId="ADAL" clId="{4CBBFCEA-3AE4-48B7-8492-0DE5B4D49A13}" dt="2020-05-13T15:29:57.072" v="256"/>
+      <pc:docMkLst>
+        <pc:docMk/>
+      </pc:docMkLst>
+      <pc:sldChg chg="add setBg">
+        <pc:chgData name="Birva N Sevak" userId="274f1eae-0de7-4eb8-a8ff-1256297a7af3" providerId="ADAL" clId="{4CBBFCEA-3AE4-48B7-8492-0DE5B4D49A13}" dt="2020-05-13T15:25:22.540" v="3"/>
+        <pc:sldMkLst>
+          <pc:docMk/>
+          <pc:sldMk cId="3438216459" sldId="272"/>
+        </pc:sldMkLst>
+      </pc:sldChg>
+      <pc:sldChg chg="addSp delSp modSp add setBg">
+        <pc:chgData name="Birva N Sevak" userId="274f1eae-0de7-4eb8-a8ff-1256297a7af3" providerId="ADAL" clId="{4CBBFCEA-3AE4-48B7-8492-0DE5B4D49A13}" dt="2020-05-13T15:29:57.072" v="256"/>
+        <pc:sldMkLst>
+          <pc:docMk/>
+          <pc:sldMk cId="4039348390" sldId="273"/>
+        </pc:sldMkLst>
+        <pc:spChg chg="del mod">
+          <ac:chgData name="Birva N Sevak" userId="274f1eae-0de7-4eb8-a8ff-1256297a7af3" providerId="ADAL" clId="{4CBBFCEA-3AE4-48B7-8492-0DE5B4D49A13}" dt="2020-05-13T15:29:57.072" v="256"/>
+          <ac:spMkLst>
+            <pc:docMk/>
+            <pc:sldMk cId="4039348390" sldId="273"/>
+            <ac:spMk id="2" creationId="{00000000-0000-0000-0000-000000000000}"/>
+          </ac:spMkLst>
+        </pc:spChg>
+        <pc:spChg chg="add mod">
+          <ac:chgData name="Birva N Sevak" userId="274f1eae-0de7-4eb8-a8ff-1256297a7af3" providerId="ADAL" clId="{4CBBFCEA-3AE4-48B7-8492-0DE5B4D49A13}" dt="2020-05-13T15:27:37.854" v="133" actId="207"/>
+          <ac:spMkLst>
+            <pc:docMk/>
+            <pc:sldMk cId="4039348390" sldId="273"/>
+            <ac:spMk id="3" creationId="{FBD831AA-5512-4D4F-B706-C415E2EB275E}"/>
+          </ac:spMkLst>
+        </pc:spChg>
+        <pc:spChg chg="add mod">
+          <ac:chgData name="Birva N Sevak" userId="274f1eae-0de7-4eb8-a8ff-1256297a7af3" providerId="ADAL" clId="{4CBBFCEA-3AE4-48B7-8492-0DE5B4D49A13}" dt="2020-05-13T15:29:55.035" v="254" actId="12"/>
+          <ac:spMkLst>
+            <pc:docMk/>
+            <pc:sldMk cId="4039348390" sldId="273"/>
+            <ac:spMk id="4" creationId="{2B688F05-1765-4EEA-954D-B282C4F4B8B4}"/>
+          </ac:spMkLst>
+        </pc:spChg>
+      </pc:sldChg>
+    </pc:docChg>
+  </pc:docChgLst>
+</pc:chgInfo>
 </file>
 
 <file path=ppt/notesMasters/notesMaster1.xml><?xml version="1.0" encoding="utf-8"?>
@@ -1043,6 +1103,115 @@
 </file>
 
 <file path=ppt/notesSlides/notesSlide4.xml><?xml version="1.0" encoding="utf-8"?>
+<p:notes xmlns:a="http://schemas.openxmlformats.org/drawingml/2006/main" xmlns:r="http://schemas.openxmlformats.org/officeDocument/2006/relationships" xmlns:p="http://schemas.openxmlformats.org/presentationml/2006/main" showMasterSp="0" showMasterPhAnim="0">
+  <p:cSld>
+    <p:spTree>
+      <p:nvGrpSpPr>
+        <p:cNvPr id="1" name="Shape 76"/>
+        <p:cNvGrpSpPr/>
+        <p:nvPr/>
+      </p:nvGrpSpPr>
+      <p:grpSpPr>
+        <a:xfrm>
+          <a:off x="0" y="0"/>
+          <a:ext cx="0" cy="0"/>
+          <a:chOff x="0" y="0"/>
+          <a:chExt cx="0" cy="0"/>
+        </a:xfrm>
+      </p:grpSpPr>
+      <p:sp>
+        <p:nvSpPr>
+          <p:cNvPr id="77" name="Google Shape;77;g543819cfbf_2_163:notes"/>
+          <p:cNvSpPr txBox="1">
+            <a:spLocks noGrp="1"/>
+          </p:cNvSpPr>
+          <p:nvPr>
+            <p:ph type="body" idx="1"/>
+          </p:nvPr>
+        </p:nvSpPr>
+        <p:spPr>
+          <a:xfrm>
+            <a:off x="685800" y="4343400"/>
+            <a:ext cx="5486400" cy="4114800"/>
+          </a:xfrm>
+          <a:prstGeom prst="rect">
+            <a:avLst/>
+          </a:prstGeom>
+        </p:spPr>
+        <p:txBody>
+          <a:bodyPr spcFirstLastPara="1" wrap="square" lIns="91425" tIns="91425" rIns="91425" bIns="91425" anchor="t" anchorCtr="0">
+            <a:noAutofit/>
+          </a:bodyPr>
+          <a:lstStyle/>
+          <a:p>
+            <a:pPr marL="0" lvl="0" indent="0" algn="l" rtl="0">
+              <a:spcBef>
+                <a:spcPts val="0"/>
+              </a:spcBef>
+              <a:spcAft>
+                <a:spcPts val="0"/>
+              </a:spcAft>
+              <a:buNone/>
+            </a:pPr>
+            <a:endParaRPr/>
+          </a:p>
+        </p:txBody>
+      </p:sp>
+      <p:sp>
+        <p:nvSpPr>
+          <p:cNvPr id="78" name="Google Shape;78;g543819cfbf_2_163:notes"/>
+          <p:cNvSpPr>
+            <a:spLocks noGrp="1" noRot="1" noChangeAspect="1"/>
+          </p:cNvSpPr>
+          <p:nvPr>
+            <p:ph type="sldImg" idx="2"/>
+          </p:nvPr>
+        </p:nvSpPr>
+        <p:spPr>
+          <a:xfrm>
+            <a:off x="381000" y="685800"/>
+            <a:ext cx="6096000" cy="3429000"/>
+          </a:xfrm>
+          <a:custGeom>
+            <a:avLst/>
+            <a:gdLst/>
+            <a:ahLst/>
+            <a:cxnLst/>
+            <a:rect l="l" t="t" r="r" b="b"/>
+            <a:pathLst>
+              <a:path w="120000" h="120000" extrusionOk="0">
+                <a:moveTo>
+                  <a:pt x="0" y="0"/>
+                </a:moveTo>
+                <a:lnTo>
+                  <a:pt x="120000" y="0"/>
+                </a:lnTo>
+                <a:lnTo>
+                  <a:pt x="120000" y="120000"/>
+                </a:lnTo>
+                <a:lnTo>
+                  <a:pt x="0" y="120000"/>
+                </a:lnTo>
+                <a:close/>
+              </a:path>
+            </a:pathLst>
+          </a:custGeom>
+        </p:spPr>
+      </p:sp>
+    </p:spTree>
+    <p:extLst>
+      <p:ext uri="{BB962C8B-B14F-4D97-AF65-F5344CB8AC3E}">
+        <p14:creationId xmlns:p14="http://schemas.microsoft.com/office/powerpoint/2010/main" val="4018301525"/>
+      </p:ext>
+    </p:extLst>
+  </p:cSld>
+  <p:clrMapOvr>
+    <a:masterClrMapping/>
+  </p:clrMapOvr>
+</p:notes>
+</file>
+
+<file path=ppt/notesSlides/notesSlide5.xml><?xml version="1.0" encoding="utf-8"?>
 <p:notes xmlns:a="http://schemas.openxmlformats.org/drawingml/2006/main" xmlns:r="http://schemas.openxmlformats.org/officeDocument/2006/relationships" xmlns:p="http://schemas.openxmlformats.org/presentationml/2006/main" showMasterSp="0" showMasterPhAnim="0">
   <p:cSld>
     <p:spTree>
@@ -6638,7 +6807,7 @@
               <a:buNone/>
             </a:pPr>
             <a:r>
-              <a:rPr lang="en-US" sz="3600" b="1" cap="none" dirty="0" smtClean="0">
+              <a:rPr lang="en-US" sz="3600" b="1" cap="none" dirty="0">
                 <a:solidFill>
                   <a:srgbClr val="0070C0"/>
                 </a:solidFill>
@@ -6648,18 +6817,6 @@
                 <a:sym typeface="Times New Roman"/>
               </a:rPr>
               <a:t>Cybersecurity in the Internet of Things</a:t>
-            </a:r>
-            <a:r>
-              <a:rPr lang="en" sz="3600" b="1" cap="none" dirty="0">
-                <a:solidFill>
-                  <a:srgbClr val="0070C0"/>
-                </a:solidFill>
-                <a:latin typeface="Times New Roman"/>
-                <a:ea typeface="Times New Roman"/>
-                <a:cs typeface="Times New Roman"/>
-                <a:sym typeface="Times New Roman"/>
-              </a:rPr>
-              <a:t/>
             </a:r>
             <a:br>
               <a:rPr lang="en" sz="3600" b="1" cap="none" dirty="0">
@@ -6673,7 +6830,7 @@
               </a:rPr>
             </a:br>
             <a:r>
-              <a:rPr lang="en" sz="3600" b="1" cap="none" dirty="0" smtClean="0">
+              <a:rPr lang="en" sz="3600" b="1" cap="none" dirty="0">
                 <a:solidFill>
                   <a:srgbClr val="0070C0"/>
                 </a:solidFill>
@@ -6685,7 +6842,7 @@
               <a:t>CS</a:t>
             </a:r>
             <a:r>
-              <a:rPr lang="en-US" sz="3600" b="1" cap="none" dirty="0" smtClean="0">
+              <a:rPr lang="en-US" sz="3600" b="1" cap="none" dirty="0">
                 <a:solidFill>
                   <a:srgbClr val="0070C0"/>
                 </a:solidFill>
@@ -6716,18 +6873,6 @@
               <a:buSzPts val="1900"/>
               <a:buNone/>
             </a:pPr>
-            <a:r>
-              <a:rPr lang="en" sz="2400" b="1" cap="none" dirty="0">
-                <a:solidFill>
-                  <a:srgbClr val="0070C0"/>
-                </a:solidFill>
-                <a:latin typeface="Times New Roman"/>
-                <a:ea typeface="Times New Roman"/>
-                <a:cs typeface="Times New Roman"/>
-                <a:sym typeface="Times New Roman"/>
-              </a:rPr>
-              <a:t/>
-            </a:r>
             <a:br>
               <a:rPr lang="en" sz="2400" b="1" cap="none" dirty="0">
                 <a:solidFill>
@@ -6764,7 +6909,7 @@
               <a:t>Professor : </a:t>
             </a:r>
             <a:r>
-              <a:rPr lang="en-US" sz="2000" b="1" cap="none" dirty="0" smtClean="0">
+              <a:rPr lang="en-US" sz="2000" b="1" cap="none" dirty="0">
                 <a:solidFill>
                   <a:srgbClr val="0070C0"/>
                 </a:solidFill>
@@ -6776,7 +6921,7 @@
               <a:t>Dr. </a:t>
             </a:r>
             <a:r>
-              <a:rPr lang="en-US" sz="2000" b="1" cap="none" dirty="0" err="1" smtClean="0">
+              <a:rPr lang="en-US" sz="2000" b="1" cap="none" dirty="0" err="1">
                 <a:solidFill>
                   <a:srgbClr val="0070C0"/>
                 </a:solidFill>
@@ -6788,7 +6933,7 @@
               <a:t>Xiaohui</a:t>
             </a:r>
             <a:r>
-              <a:rPr lang="en-US" sz="2000" b="1" cap="none" dirty="0" smtClean="0">
+              <a:rPr lang="en-US" sz="2000" b="1" cap="none" dirty="0">
                 <a:solidFill>
                   <a:srgbClr val="0070C0"/>
                 </a:solidFill>
@@ -6848,7 +6993,7 @@
               <a:t> </a:t>
             </a:r>
             <a:r>
-              <a:rPr lang="en-US" sz="2000" b="1" dirty="0" smtClean="0">
+              <a:rPr lang="en-US" sz="2000" b="1" dirty="0">
                 <a:solidFill>
                   <a:srgbClr val="0070C0"/>
                 </a:solidFill>
@@ -6860,7 +7005,7 @@
               <a:t>May</a:t>
             </a:r>
             <a:r>
-              <a:rPr lang="en" sz="2000" b="1" cap="none" dirty="0" smtClean="0">
+              <a:rPr lang="en" sz="2000" b="1" cap="none" dirty="0">
                 <a:solidFill>
                   <a:srgbClr val="0070C0"/>
                 </a:solidFill>
@@ -6869,31 +7014,7 @@
                 <a:cs typeface="Times New Roman"/>
                 <a:sym typeface="Times New Roman"/>
               </a:rPr>
-              <a:t> </a:t>
-            </a:r>
-            <a:r>
-              <a:rPr lang="en-US" sz="2000" b="1" cap="none" dirty="0" smtClean="0">
-                <a:solidFill>
-                  <a:srgbClr val="0070C0"/>
-                </a:solidFill>
-                <a:latin typeface="Times New Roman"/>
-                <a:ea typeface="Times New Roman"/>
-                <a:cs typeface="Times New Roman"/>
-                <a:sym typeface="Times New Roman"/>
-              </a:rPr>
-              <a:t>13/</a:t>
-            </a:r>
-            <a:r>
-              <a:rPr lang="en" sz="2000" b="1" cap="none" dirty="0" smtClean="0">
-                <a:solidFill>
-                  <a:srgbClr val="0070C0"/>
-                </a:solidFill>
-                <a:latin typeface="Times New Roman"/>
-                <a:ea typeface="Times New Roman"/>
-                <a:cs typeface="Times New Roman"/>
-                <a:sym typeface="Times New Roman"/>
-              </a:rPr>
-              <a:t>2019</a:t>
+              <a:t> 2019</a:t>
             </a:r>
             <a:endParaRPr sz="1050" b="1" cap="none" dirty="0">
               <a:solidFill>
@@ -7110,22 +7231,10 @@
                 <a:cs typeface="Times New Roman"/>
                 <a:sym typeface="Times New Roman"/>
               </a:rPr>
-              <a:t>   </a:t>
+              <a:t>   By: </a:t>
             </a:r>
             <a:r>
-              <a:rPr lang="en-US" sz="2000" dirty="0" smtClean="0">
-                <a:solidFill>
-                  <a:srgbClr val="0070C0"/>
-                </a:solidFill>
-                <a:latin typeface="Times New Roman"/>
-                <a:ea typeface="Times New Roman"/>
-                <a:cs typeface="Times New Roman"/>
-                <a:sym typeface="Times New Roman"/>
-              </a:rPr>
-              <a:t>By: </a:t>
-            </a:r>
-            <a:r>
-              <a:rPr lang="en-US" sz="2000" dirty="0" err="1" smtClean="0">
+              <a:rPr lang="en-US" sz="2000" dirty="0" err="1">
                 <a:solidFill>
                   <a:srgbClr val="0070C0"/>
                 </a:solidFill>
@@ -7137,7 +7246,7 @@
               <a:t>Jesh</a:t>
             </a:r>
             <a:r>
-              <a:rPr lang="en-US" sz="2000" dirty="0" smtClean="0">
+              <a:rPr lang="en-US" sz="2000" dirty="0">
                 <a:solidFill>
                   <a:srgbClr val="0070C0"/>
                 </a:solidFill>
@@ -7149,7 +7258,7 @@
               <a:t> </a:t>
             </a:r>
             <a:r>
-              <a:rPr lang="en-US" sz="2000" dirty="0" err="1" smtClean="0">
+              <a:rPr lang="en-US" sz="2000" dirty="0" err="1">
                 <a:solidFill>
                   <a:srgbClr val="0070C0"/>
                 </a:solidFill>
@@ -7190,22 +7299,10 @@
                 <a:cs typeface="Times New Roman"/>
                 <a:sym typeface="Times New Roman"/>
               </a:rPr>
-              <a:t>   </a:t>
+              <a:t>        : </a:t>
             </a:r>
             <a:r>
-              <a:rPr lang="en-US" sz="2000" dirty="0" smtClean="0">
-                <a:solidFill>
-                  <a:srgbClr val="0070C0"/>
-                </a:solidFill>
-                <a:latin typeface="Times New Roman"/>
-                <a:ea typeface="Times New Roman"/>
-                <a:cs typeface="Times New Roman"/>
-                <a:sym typeface="Times New Roman"/>
-              </a:rPr>
-              <a:t>     : </a:t>
-            </a:r>
-            <a:r>
-              <a:rPr lang="en-US" sz="2000" dirty="0" err="1" smtClean="0">
+              <a:rPr lang="en-US" sz="2000" dirty="0" err="1">
                 <a:solidFill>
                   <a:srgbClr val="0070C0"/>
                 </a:solidFill>
@@ -7217,7 +7314,7 @@
               <a:t>Birva</a:t>
             </a:r>
             <a:r>
-              <a:rPr lang="en-US" sz="2000" dirty="0" smtClean="0">
+              <a:rPr lang="en-US" sz="2000" dirty="0">
                 <a:solidFill>
                   <a:srgbClr val="0070C0"/>
                 </a:solidFill>
@@ -7229,7 +7326,7 @@
               <a:t> </a:t>
             </a:r>
             <a:r>
-              <a:rPr lang="en-US" sz="2000" dirty="0" err="1" smtClean="0">
+              <a:rPr lang="en-US" sz="2000" dirty="0" err="1">
                 <a:solidFill>
                   <a:srgbClr val="0070C0"/>
                 </a:solidFill>
@@ -7414,13 +7511,6 @@
       </p:transition>
     </mc:Fallback>
   </mc:AlternateContent>
-  <p:timing>
-    <p:tnLst>
-      <p:par>
-        <p:cTn id="1" dur="indefinite" restart="never" nodeType="tmRoot"/>
-      </p:par>
-    </p:tnLst>
-  </p:timing>
 </p:sld>
 </file>
 
@@ -7495,8 +7585,8 @@
         </p:nvSpPr>
         <p:spPr>
           <a:xfrm>
-            <a:off x="654756" y="327376"/>
-            <a:ext cx="7845778" cy="3970318"/>
+            <a:off x="513645" y="491065"/>
+            <a:ext cx="7845778" cy="1708160"/>
           </a:xfrm>
           <a:prstGeom prst="rect">
             <a:avLst/>
@@ -7515,7 +7605,7 @@
               </a:lnSpc>
             </a:pPr>
             <a:r>
-              <a:rPr lang="en-US" dirty="0" smtClean="0">
+              <a:rPr lang="en-US" dirty="0">
                 <a:solidFill>
                   <a:schemeClr val="accent5">
                     <a:lumMod val="60000"/>
@@ -7523,168 +7613,17 @@
                   </a:schemeClr>
                 </a:solidFill>
               </a:rPr>
-              <a:t>Alexa “Smart Cart” Skill</a:t>
+              <a:t>Smart Cart: </a:t>
             </a:r>
-          </a:p>
-          <a:p>
-            <a:pPr>
-              <a:lnSpc>
-                <a:spcPct val="150000"/>
-              </a:lnSpc>
-            </a:pPr>
-            <a:endParaRPr lang="en-US" dirty="0" smtClean="0">
-              <a:solidFill>
-                <a:schemeClr val="accent5">
-                  <a:lumMod val="60000"/>
-                  <a:lumOff val="40000"/>
-                </a:schemeClr>
-              </a:solidFill>
-            </a:endParaRPr>
-          </a:p>
-          <a:p>
-            <a:pPr marL="285750" indent="-285750">
-              <a:lnSpc>
-                <a:spcPct val="150000"/>
-              </a:lnSpc>
-              <a:buFont typeface="Wingdings" charset="2"/>
-              <a:buChar char="Ø"/>
-            </a:pPr>
-            <a:r>
-              <a:rPr lang="en-US" dirty="0">
-                <a:solidFill>
-                  <a:srgbClr val="FFFFFF"/>
-                </a:solidFill>
-              </a:rPr>
-              <a:t>We have built a custom Alexa skill with the capability to manage our shopping </a:t>
-            </a:r>
-            <a:r>
-              <a:rPr lang="en-US" dirty="0" smtClean="0">
-                <a:solidFill>
-                  <a:srgbClr val="FFFFFF"/>
-                </a:solidFill>
-              </a:rPr>
-              <a:t>activity.</a:t>
-            </a:r>
-          </a:p>
-          <a:p>
-            <a:pPr marL="285750" indent="-285750">
-              <a:lnSpc>
-                <a:spcPct val="150000"/>
-              </a:lnSpc>
-              <a:buFont typeface="Wingdings" charset="2"/>
-              <a:buChar char="Ø"/>
-            </a:pPr>
-            <a:r>
-              <a:rPr lang="en-US" dirty="0">
-                <a:solidFill>
-                  <a:srgbClr val="FFFFFF"/>
-                </a:solidFill>
-              </a:rPr>
-              <a:t>Smart cart skill had designed with add, remove, </a:t>
-            </a:r>
-            <a:r>
-              <a:rPr lang="en-US" dirty="0" smtClean="0">
-                <a:solidFill>
-                  <a:srgbClr val="FFFFFF"/>
-                </a:solidFill>
-              </a:rPr>
-              <a:t>list, and </a:t>
-            </a:r>
-            <a:r>
-              <a:rPr lang="en-US" dirty="0">
-                <a:solidFill>
-                  <a:srgbClr val="FFFFFF"/>
-                </a:solidFill>
-              </a:rPr>
-              <a:t>checkout </a:t>
-            </a:r>
-            <a:r>
-              <a:rPr lang="en-US" dirty="0" smtClean="0">
-                <a:solidFill>
-                  <a:srgbClr val="FFFFFF"/>
-                </a:solidFill>
-              </a:rPr>
-              <a:t>intents. </a:t>
-            </a:r>
-          </a:p>
-          <a:p>
-            <a:pPr marL="285750" indent="-285750">
-              <a:lnSpc>
-                <a:spcPct val="150000"/>
-              </a:lnSpc>
-              <a:buFont typeface="Wingdings" charset="2"/>
-              <a:buChar char="Ø"/>
-            </a:pPr>
-            <a:r>
-              <a:rPr lang="en-US" dirty="0">
-                <a:solidFill>
-                  <a:srgbClr val="FFFFFF"/>
-                </a:solidFill>
-              </a:rPr>
-              <a:t>It is a voice-controlled grocery shopping. The primary goal is building Alexa skill, which helps us to manage our grocery shopping list. We had implemented add Item, remove Item, list all item functionality</a:t>
-            </a:r>
-            <a:r>
-              <a:rPr lang="en-US" dirty="0" smtClean="0">
-                <a:solidFill>
-                  <a:srgbClr val="FFFFFF"/>
-                </a:solidFill>
-              </a:rPr>
-              <a:t>.</a:t>
-            </a:r>
-          </a:p>
-          <a:p>
-            <a:pPr marL="285750" indent="-285750">
-              <a:lnSpc>
-                <a:spcPct val="150000"/>
-              </a:lnSpc>
-              <a:buFont typeface="Wingdings" charset="2"/>
-              <a:buChar char="Ø"/>
-            </a:pPr>
-            <a:r>
-              <a:rPr lang="en-US" dirty="0">
-                <a:solidFill>
-                  <a:srgbClr val="FFFFFF"/>
-                </a:solidFill>
-              </a:rPr>
-              <a:t>When the user invokes the skill name open “smart cart”, the custom skill will start with a welcome greeting.</a:t>
-            </a:r>
-            <a:endParaRPr lang="en-US" dirty="0" smtClean="0">
-              <a:solidFill>
-                <a:srgbClr val="FFFFFF"/>
-              </a:solidFill>
-            </a:endParaRPr>
-          </a:p>
-          <a:p>
-            <a:pPr marL="285750" indent="-285750">
-              <a:lnSpc>
-                <a:spcPct val="150000"/>
-              </a:lnSpc>
-              <a:buFont typeface="Wingdings" charset="2"/>
-              <a:buChar char="Ø"/>
-            </a:pPr>
             <a:r>
               <a:rPr lang="en-US" dirty="0">
                 <a:solidFill>
                   <a:schemeClr val="bg1"/>
                 </a:solidFill>
               </a:rPr>
-              <a:t>When the user wants to add an item or items, the user has to say “add 4 pieces of Avocado”, and for remove, it is similar, quantity followed by item name.</a:t>
+              <a:t>In this hard pandemic time, minimizing contact from a lot of things we used in our daily life reduces the risk of getting COVID-19. Understanding the fact, we came up with an idea to implement voice-controlled grocery shopping. The primary goal is building Alexa skill, which helps us to manage our grocery shopping list. We will implement add order remove order and much more functionality based on time and resources available. </a:t>
             </a:r>
-            <a:endParaRPr lang="en-US" dirty="0" smtClean="0">
-              <a:solidFill>
-                <a:schemeClr val="bg1"/>
-              </a:solidFill>
-            </a:endParaRPr>
-          </a:p>
-          <a:p>
-            <a:pPr marL="285750" indent="-285750">
-              <a:lnSpc>
-                <a:spcPct val="150000"/>
-              </a:lnSpc>
-              <a:buFont typeface="Wingdings" charset="2"/>
-              <a:buChar char="Ø"/>
-            </a:pPr>
-            <a:endParaRPr lang="en-US" dirty="0" smtClean="0">
+            <a:endParaRPr lang="en-US" dirty="0">
               <a:solidFill>
                 <a:schemeClr val="bg1"/>
               </a:solidFill>
@@ -7712,13 +7651,6 @@
       </p:transition>
     </mc:Fallback>
   </mc:AlternateContent>
-  <p:timing>
-    <p:tnLst>
-      <p:par>
-        <p:cTn id="1" dur="indefinite" restart="never" nodeType="tmRoot"/>
-      </p:par>
-    </p:tnLst>
-  </p:timing>
 </p:sld>
 </file>
 
@@ -7794,7 +7726,7 @@
         <p:spPr>
           <a:xfrm>
             <a:off x="502356" y="491065"/>
-            <a:ext cx="7845778" cy="2031325"/>
+            <a:ext cx="7845778" cy="1061829"/>
           </a:xfrm>
           <a:prstGeom prst="rect">
             <a:avLst/>
@@ -7807,30 +7739,25 @@
           </a:bodyPr>
           <a:lstStyle/>
           <a:p>
-            <a:pPr marL="285750" indent="-285750">
+            <a:pPr>
               <a:lnSpc>
                 <a:spcPct val="150000"/>
               </a:lnSpc>
-              <a:buFont typeface="Wingdings" charset="2"/>
-              <a:buChar char="Ø"/>
             </a:pPr>
-            <a:endParaRPr lang="en-US" dirty="0" smtClean="0">
-              <a:solidFill>
-                <a:srgbClr val="FFFFFF"/>
-              </a:solidFill>
-              <a:latin typeface="+mj-lt"/>
-              <a:ea typeface="Times New Roman" charset="0"/>
-              <a:cs typeface="Times New Roman" charset="0"/>
-            </a:endParaRPr>
-          </a:p>
-          <a:p>
-            <a:pPr marL="285750" indent="-285750">
-              <a:lnSpc>
-                <a:spcPct val="150000"/>
-              </a:lnSpc>
-              <a:buFont typeface="Wingdings" charset="2"/>
-              <a:buChar char="Ø"/>
-            </a:pPr>
+            <a:r>
+              <a:rPr lang="en-US" dirty="0">
+                <a:solidFill>
+                  <a:schemeClr val="accent5">
+                    <a:lumMod val="60000"/>
+                    <a:lumOff val="40000"/>
+                  </a:schemeClr>
+                </a:solidFill>
+                <a:latin typeface="+mj-lt"/>
+                <a:ea typeface="Times New Roman" charset="0"/>
+                <a:cs typeface="Times New Roman" charset="0"/>
+              </a:rPr>
+              <a:t>Smart Cart: </a:t>
+            </a:r>
             <a:r>
               <a:rPr lang="en-US" dirty="0">
                 <a:solidFill>
@@ -7840,10 +7767,21 @@
                 <a:ea typeface="Times New Roman" charset="0"/>
                 <a:cs typeface="Times New Roman" charset="0"/>
               </a:rPr>
-              <a:t>Initially, We have tried to store the record in AWS Dynamo DB - a no SQL DB, which is unstructured, and linked with it with a given user ID</a:t>
+              <a:t>The skill we have to build is a smart cart grocery order assistant called “S cart”. The user can add, remove/delete, and checkout grocery items. The record will be stored in AWS Dynamo DB - a no SQL DB, which is unstructured, and linked with it with a </a:t>
             </a:r>
             <a:r>
-              <a:rPr lang="en-US" dirty="0" smtClean="0">
+              <a:rPr lang="en-US" dirty="0" err="1">
+                <a:solidFill>
+                  <a:srgbClr val="FFFFFF"/>
+                </a:solidFill>
+                <a:latin typeface="+mj-lt"/>
+                <a:ea typeface="Times New Roman" charset="0"/>
+                <a:cs typeface="Times New Roman" charset="0"/>
+              </a:rPr>
+              <a:t>userId</a:t>
+            </a:r>
+            <a:r>
+              <a:rPr lang="en-US" dirty="0">
                 <a:solidFill>
                   <a:srgbClr val="FFFFFF"/>
                 </a:solidFill>
@@ -7853,54 +7791,6 @@
               </a:rPr>
               <a:t>.</a:t>
             </a:r>
-          </a:p>
-          <a:p>
-            <a:pPr marL="285750" indent="-285750">
-              <a:lnSpc>
-                <a:spcPct val="150000"/>
-              </a:lnSpc>
-              <a:buFont typeface="Wingdings" charset="2"/>
-              <a:buChar char="Ø"/>
-            </a:pPr>
-            <a:r>
-              <a:rPr lang="en-US" dirty="0" smtClean="0">
-                <a:solidFill>
-                  <a:srgbClr val="FFFFFF"/>
-                </a:solidFill>
-                <a:latin typeface="+mj-lt"/>
-                <a:ea typeface="Times New Roman" charset="0"/>
-                <a:cs typeface="Times New Roman" charset="0"/>
-              </a:rPr>
-              <a:t>We have got some IAM policy configuration issue and implemented just using front end, and lambda.</a:t>
-            </a:r>
-          </a:p>
-          <a:p>
-            <a:pPr marL="285750" indent="-285750">
-              <a:lnSpc>
-                <a:spcPct val="150000"/>
-              </a:lnSpc>
-              <a:buFont typeface="Wingdings" charset="2"/>
-              <a:buChar char="Ø"/>
-            </a:pPr>
-            <a:r>
-              <a:rPr lang="en-US" dirty="0" smtClean="0">
-                <a:solidFill>
-                  <a:srgbClr val="FFFFFF"/>
-                </a:solidFill>
-                <a:latin typeface="+mj-lt"/>
-                <a:ea typeface="Times New Roman" charset="0"/>
-                <a:cs typeface="Times New Roman" charset="0"/>
-              </a:rPr>
-              <a:t>Intent is just a method, and slot is a bucket or variable.</a:t>
-            </a:r>
-            <a:endParaRPr lang="en-US" dirty="0">
-              <a:solidFill>
-                <a:srgbClr val="FFFFFF"/>
-              </a:solidFill>
-              <a:latin typeface="+mj-lt"/>
-              <a:ea typeface="Times New Roman" charset="0"/>
-              <a:cs typeface="Times New Roman" charset="0"/>
-            </a:endParaRPr>
           </a:p>
         </p:txBody>
       </p:sp>
@@ -7926,17 +7816,300 @@
       </p:transition>
     </mc:Fallback>
   </mc:AlternateContent>
-  <p:timing>
-    <p:tnLst>
-      <p:par>
-        <p:cTn id="1" dur="indefinite" restart="never" nodeType="tmRoot"/>
-      </p:par>
-    </p:tnLst>
-  </p:timing>
 </p:sld>
 </file>
 
 <file path=ppt/slides/slide4.xml><?xml version="1.0" encoding="utf-8"?>
+<p:sld xmlns:a="http://schemas.openxmlformats.org/drawingml/2006/main" xmlns:r="http://schemas.openxmlformats.org/officeDocument/2006/relationships" xmlns:p="http://schemas.openxmlformats.org/presentationml/2006/main">
+  <p:cSld>
+    <p:bg>
+      <p:bgPr>
+        <a:solidFill>
+          <a:srgbClr val="0070C0"/>
+        </a:solidFill>
+        <a:effectLst/>
+      </p:bgPr>
+    </p:bg>
+    <p:spTree>
+      <p:nvGrpSpPr>
+        <p:cNvPr id="1" name="Shape 79"/>
+        <p:cNvGrpSpPr/>
+        <p:nvPr/>
+      </p:nvGrpSpPr>
+      <p:grpSpPr>
+        <a:xfrm>
+          <a:off x="0" y="0"/>
+          <a:ext cx="0" cy="0"/>
+          <a:chOff x="0" y="0"/>
+          <a:chExt cx="0" cy="0"/>
+        </a:xfrm>
+      </p:grpSpPr>
+      <p:sp>
+        <p:nvSpPr>
+          <p:cNvPr id="80" name="Google Shape;80;p17"/>
+          <p:cNvSpPr txBox="1"/>
+          <p:nvPr/>
+        </p:nvSpPr>
+        <p:spPr>
+          <a:xfrm>
+            <a:off x="5672200" y="4569600"/>
+            <a:ext cx="2386800" cy="573900"/>
+          </a:xfrm>
+          <a:prstGeom prst="rect">
+            <a:avLst/>
+          </a:prstGeom>
+          <a:noFill/>
+          <a:ln>
+            <a:noFill/>
+          </a:ln>
+        </p:spPr>
+        <p:txBody>
+          <a:bodyPr spcFirstLastPara="1" wrap="square" lIns="91425" tIns="91425" rIns="91425" bIns="91425" anchor="t" anchorCtr="0">
+            <a:noAutofit/>
+          </a:bodyPr>
+          <a:lstStyle/>
+          <a:p>
+            <a:pPr marL="0" lvl="0" indent="0" algn="l" rtl="0">
+              <a:spcBef>
+                <a:spcPts val="0"/>
+              </a:spcBef>
+              <a:spcAft>
+                <a:spcPts val="0"/>
+              </a:spcAft>
+              <a:buNone/>
+            </a:pPr>
+            <a:endParaRPr/>
+          </a:p>
+        </p:txBody>
+      </p:sp>
+      <p:sp>
+        <p:nvSpPr>
+          <p:cNvPr id="3" name="Title 2">
+            <a:extLst>
+              <a:ext uri="{FF2B5EF4-FFF2-40B4-BE49-F238E27FC236}">
+                <a16:creationId xmlns:a16="http://schemas.microsoft.com/office/drawing/2014/main" id="{FBD831AA-5512-4D4F-B706-C415E2EB275E}"/>
+              </a:ext>
+            </a:extLst>
+          </p:cNvPr>
+          <p:cNvSpPr>
+            <a:spLocks noGrp="1"/>
+          </p:cNvSpPr>
+          <p:nvPr>
+            <p:ph type="title"/>
+          </p:nvPr>
+        </p:nvSpPr>
+        <p:spPr/>
+        <p:txBody>
+          <a:bodyPr/>
+          <a:lstStyle/>
+          <a:p>
+            <a:r>
+              <a:rPr lang="en-US" dirty="0">
+                <a:solidFill>
+                  <a:schemeClr val="bg1"/>
+                </a:solidFill>
+              </a:rPr>
+              <a:t>Challenges</a:t>
+            </a:r>
+          </a:p>
+        </p:txBody>
+      </p:sp>
+      <p:sp>
+        <p:nvSpPr>
+          <p:cNvPr id="4" name="Text Placeholder 3">
+            <a:extLst>
+              <a:ext uri="{FF2B5EF4-FFF2-40B4-BE49-F238E27FC236}">
+                <a16:creationId xmlns:a16="http://schemas.microsoft.com/office/drawing/2014/main" id="{2B688F05-1765-4EEA-954D-B282C4F4B8B4}"/>
+              </a:ext>
+            </a:extLst>
+          </p:cNvPr>
+          <p:cNvSpPr>
+            <a:spLocks noGrp="1"/>
+          </p:cNvSpPr>
+          <p:nvPr>
+            <p:ph type="body" idx="1"/>
+          </p:nvPr>
+        </p:nvSpPr>
+        <p:spPr/>
+        <p:txBody>
+          <a:bodyPr/>
+          <a:lstStyle/>
+          <a:p>
+            <a:pPr>
+              <a:lnSpc>
+                <a:spcPct val="150000"/>
+              </a:lnSpc>
+              <a:buFont typeface="Wingdings" panose="05000000000000000000" pitchFamily="2" charset="2"/>
+              <a:buChar char="Ø"/>
+            </a:pPr>
+            <a:r>
+              <a:rPr lang="en-US" dirty="0">
+                <a:solidFill>
+                  <a:schemeClr val="bg1"/>
+                </a:solidFill>
+              </a:rPr>
+              <a:t>We were going to do a project on Raspberry pi in the beginning. But plans changes after COVID-19</a:t>
+            </a:r>
+          </a:p>
+          <a:p>
+            <a:pPr>
+              <a:lnSpc>
+                <a:spcPct val="150000"/>
+              </a:lnSpc>
+              <a:buFont typeface="Wingdings" panose="05000000000000000000" pitchFamily="2" charset="2"/>
+              <a:buChar char="Ø"/>
+            </a:pPr>
+            <a:r>
+              <a:rPr lang="en-US" dirty="0">
+                <a:solidFill>
+                  <a:schemeClr val="bg1"/>
+                </a:solidFill>
+              </a:rPr>
+              <a:t>Finally did Smart Cart Amazon skill</a:t>
+            </a:r>
+          </a:p>
+          <a:p>
+            <a:pPr>
+              <a:lnSpc>
+                <a:spcPct val="150000"/>
+              </a:lnSpc>
+              <a:buFont typeface="Wingdings" panose="05000000000000000000" pitchFamily="2" charset="2"/>
+              <a:buChar char="Ø"/>
+            </a:pPr>
+            <a:r>
+              <a:rPr lang="en-US" dirty="0">
+                <a:solidFill>
+                  <a:schemeClr val="bg1"/>
+                </a:solidFill>
+              </a:rPr>
+              <a:t>Still in development by Amazon</a:t>
+            </a:r>
+          </a:p>
+          <a:p>
+            <a:pPr>
+              <a:lnSpc>
+                <a:spcPct val="150000"/>
+              </a:lnSpc>
+              <a:buFont typeface="Wingdings" panose="05000000000000000000" pitchFamily="2" charset="2"/>
+              <a:buChar char="Ø"/>
+            </a:pPr>
+            <a:r>
+              <a:rPr lang="en-US" dirty="0">
+                <a:solidFill>
+                  <a:schemeClr val="bg1"/>
+                </a:solidFill>
+              </a:rPr>
+              <a:t>Connection errors</a:t>
+            </a:r>
+          </a:p>
+          <a:p>
+            <a:pPr>
+              <a:lnSpc>
+                <a:spcPct val="150000"/>
+              </a:lnSpc>
+              <a:buFont typeface="Wingdings" panose="05000000000000000000" pitchFamily="2" charset="2"/>
+              <a:buChar char="Ø"/>
+            </a:pPr>
+            <a:r>
+              <a:rPr lang="en-US" dirty="0">
+                <a:solidFill>
+                  <a:schemeClr val="bg1"/>
+                </a:solidFill>
+              </a:rPr>
+              <a:t>New database</a:t>
+            </a:r>
+          </a:p>
+        </p:txBody>
+      </p:sp>
+    </p:spTree>
+    <p:extLst>
+      <p:ext uri="{BB962C8B-B14F-4D97-AF65-F5344CB8AC3E}">
+        <p14:creationId xmlns:p14="http://schemas.microsoft.com/office/powerpoint/2010/main" val="4039348390"/>
+      </p:ext>
+    </p:extLst>
+  </p:cSld>
+  <p:clrMapOvr>
+    <a:masterClrMapping/>
+  </p:clrMapOvr>
+  <mc:AlternateContent xmlns:mc="http://schemas.openxmlformats.org/markup-compatibility/2006" xmlns:p15="http://schemas.microsoft.com/office/powerpoint/2012/main">
+    <mc:Choice Requires="p15">
+      <p:transition xmlns:p14="http://schemas.microsoft.com/office/powerpoint/2010/main" spd="slow" p14:dur="1250">
+        <p15:prstTrans prst="peelOff"/>
+      </p:transition>
+    </mc:Choice>
+    <mc:Fallback xmlns="">
+      <p:transition spd="slow">
+        <p:fade/>
+      </p:transition>
+    </mc:Fallback>
+  </mc:AlternateContent>
+</p:sld>
+</file>
+
+<file path=ppt/slides/slide5.xml><?xml version="1.0" encoding="utf-8"?>
+<p:sld xmlns:a="http://schemas.openxmlformats.org/drawingml/2006/main" xmlns:r="http://schemas.openxmlformats.org/officeDocument/2006/relationships" xmlns:p="http://schemas.openxmlformats.org/presentationml/2006/main">
+  <p:cSld>
+    <p:bg>
+      <p:bgPr>
+        <a:solidFill>
+          <a:srgbClr val="0070C0"/>
+        </a:solidFill>
+        <a:effectLst/>
+      </p:bgPr>
+    </p:bg>
+    <p:spTree>
+      <p:nvGrpSpPr>
+        <p:cNvPr id="1" name=""/>
+        <p:cNvGrpSpPr/>
+        <p:nvPr/>
+      </p:nvGrpSpPr>
+      <p:grpSpPr>
+        <a:xfrm>
+          <a:off x="0" y="0"/>
+          <a:ext cx="0" cy="0"/>
+          <a:chOff x="0" y="0"/>
+          <a:chExt cx="0" cy="0"/>
+        </a:xfrm>
+      </p:grpSpPr>
+      <p:sp>
+        <p:nvSpPr>
+          <p:cNvPr id="2" name="Title 1">
+            <a:extLst>
+              <a:ext uri="{FF2B5EF4-FFF2-40B4-BE49-F238E27FC236}">
+                <a16:creationId xmlns:a16="http://schemas.microsoft.com/office/drawing/2014/main" id="{2201B285-C838-49C8-A084-84E386DD1742}"/>
+              </a:ext>
+            </a:extLst>
+          </p:cNvPr>
+          <p:cNvSpPr>
+            <a:spLocks noGrp="1"/>
+          </p:cNvSpPr>
+          <p:nvPr>
+            <p:ph type="title"/>
+          </p:nvPr>
+        </p:nvSpPr>
+        <p:spPr/>
+        <p:txBody>
+          <a:bodyPr/>
+          <a:lstStyle/>
+          <a:p>
+            <a:endParaRPr lang="en-US"/>
+          </a:p>
+        </p:txBody>
+      </p:sp>
+    </p:spTree>
+    <p:extLst>
+      <p:ext uri="{BB962C8B-B14F-4D97-AF65-F5344CB8AC3E}">
+        <p14:creationId xmlns:p14="http://schemas.microsoft.com/office/powerpoint/2010/main" val="3438216459"/>
+      </p:ext>
+    </p:extLst>
+  </p:cSld>
+  <p:clrMapOvr>
+    <a:masterClrMapping/>
+  </p:clrMapOvr>
+</p:sld>
+</file>
+
+<file path=ppt/slides/slide6.xml><?xml version="1.0" encoding="utf-8"?>
 <p:sld xmlns:a="http://schemas.openxmlformats.org/drawingml/2006/main" xmlns:r="http://schemas.openxmlformats.org/officeDocument/2006/relationships" xmlns:p="http://schemas.openxmlformats.org/presentationml/2006/main">
   <p:cSld>
     <p:spTree>
@@ -8055,13 +8228,6 @@
       </p:transition>
     </mc:Fallback>
   </mc:AlternateContent>
-  <p:timing>
-    <p:tnLst>
-      <p:par>
-        <p:cTn id="1" dur="indefinite" restart="never" nodeType="tmRoot"/>
-      </p:par>
-    </p:tnLst>
-  </p:timing>
 </p:sld>
 </file>
 

--- a/CS442IoTProject .pptx
+++ b/CS442IoTProject .pptx
@@ -12,7 +12,7 @@
     <p:sldId id="259" r:id="rId3"/>
     <p:sldId id="271" r:id="rId4"/>
     <p:sldId id="273" r:id="rId5"/>
-    <p:sldId id="272" r:id="rId6"/>
+    <p:sldId id="274" r:id="rId6"/>
     <p:sldId id="270" r:id="rId7"/>
   </p:sldIdLst>
   <p:sldSz cx="9144000" cy="5143500" type="screen16x9"/>
@@ -267,68 +267,10 @@
 
 <file path=ppt/commentAuthors.xml><?xml version="1.0" encoding="utf-8"?>
 <p:cmAuthorLst xmlns:a="http://schemas.openxmlformats.org/drawingml/2006/main" xmlns:r="http://schemas.openxmlformats.org/officeDocument/2006/relationships" xmlns:p="http://schemas.openxmlformats.org/presentationml/2006/main">
-  <p:cmAuthor id="1" name="Microsoft Office User" initials="Office" lastIdx="0" clrIdx="0"/>
+  <p:cmAuthor id="1" name="Microsoft Office User" initials="Office" lastIdx="0" clrIdx="0">
+    <p:extLst/>
+  </p:cmAuthor>
 </p:cmAuthorLst>
-</file>
-
-<file path=ppt/revisionInfo.xml><?xml version="1.0" encoding="utf-8"?>
-<p1510:revInfo xmlns:a="http://schemas.openxmlformats.org/drawingml/2006/main" xmlns:r="http://schemas.openxmlformats.org/officeDocument/2006/relationships" xmlns:p1510="http://schemas.microsoft.com/office/powerpoint/2015/10/main">
-  <p1510:revLst>
-    <p1510:client id="{4CBBFCEA-3AE4-48B7-8492-0DE5B4D49A13}" v="8" dt="2020-05-13T15:27:37.854"/>
-  </p1510:revLst>
-</p1510:revInfo>
-</file>
-
-<file path=ppt/changesInfos/changesInfo1.xml><?xml version="1.0" encoding="utf-8"?>
-<pc:chgInfo xmlns:a="http://schemas.openxmlformats.org/drawingml/2006/main" xmlns:r="http://schemas.openxmlformats.org/officeDocument/2006/relationships" xmlns:ac="http://schemas.microsoft.com/office/drawing/2013/main/command" xmlns:pc="http://schemas.microsoft.com/office/powerpoint/2013/main/command">
-  <pc:docChgLst>
-    <pc:chgData name="Birva N Sevak" userId="274f1eae-0de7-4eb8-a8ff-1256297a7af3" providerId="ADAL" clId="{4CBBFCEA-3AE4-48B7-8492-0DE5B4D49A13}"/>
-    <pc:docChg chg="custSel addSld modSld">
-      <pc:chgData name="Birva N Sevak" userId="274f1eae-0de7-4eb8-a8ff-1256297a7af3" providerId="ADAL" clId="{4CBBFCEA-3AE4-48B7-8492-0DE5B4D49A13}" dt="2020-05-13T15:29:57.072" v="256"/>
-      <pc:docMkLst>
-        <pc:docMk/>
-      </pc:docMkLst>
-      <pc:sldChg chg="add setBg">
-        <pc:chgData name="Birva N Sevak" userId="274f1eae-0de7-4eb8-a8ff-1256297a7af3" providerId="ADAL" clId="{4CBBFCEA-3AE4-48B7-8492-0DE5B4D49A13}" dt="2020-05-13T15:25:22.540" v="3"/>
-        <pc:sldMkLst>
-          <pc:docMk/>
-          <pc:sldMk cId="3438216459" sldId="272"/>
-        </pc:sldMkLst>
-      </pc:sldChg>
-      <pc:sldChg chg="addSp delSp modSp add setBg">
-        <pc:chgData name="Birva N Sevak" userId="274f1eae-0de7-4eb8-a8ff-1256297a7af3" providerId="ADAL" clId="{4CBBFCEA-3AE4-48B7-8492-0DE5B4D49A13}" dt="2020-05-13T15:29:57.072" v="256"/>
-        <pc:sldMkLst>
-          <pc:docMk/>
-          <pc:sldMk cId="4039348390" sldId="273"/>
-        </pc:sldMkLst>
-        <pc:spChg chg="del mod">
-          <ac:chgData name="Birva N Sevak" userId="274f1eae-0de7-4eb8-a8ff-1256297a7af3" providerId="ADAL" clId="{4CBBFCEA-3AE4-48B7-8492-0DE5B4D49A13}" dt="2020-05-13T15:29:57.072" v="256"/>
-          <ac:spMkLst>
-            <pc:docMk/>
-            <pc:sldMk cId="4039348390" sldId="273"/>
-            <ac:spMk id="2" creationId="{00000000-0000-0000-0000-000000000000}"/>
-          </ac:spMkLst>
-        </pc:spChg>
-        <pc:spChg chg="add mod">
-          <ac:chgData name="Birva N Sevak" userId="274f1eae-0de7-4eb8-a8ff-1256297a7af3" providerId="ADAL" clId="{4CBBFCEA-3AE4-48B7-8492-0DE5B4D49A13}" dt="2020-05-13T15:27:37.854" v="133" actId="207"/>
-          <ac:spMkLst>
-            <pc:docMk/>
-            <pc:sldMk cId="4039348390" sldId="273"/>
-            <ac:spMk id="3" creationId="{FBD831AA-5512-4D4F-B706-C415E2EB275E}"/>
-          </ac:spMkLst>
-        </pc:spChg>
-        <pc:spChg chg="add mod">
-          <ac:chgData name="Birva N Sevak" userId="274f1eae-0de7-4eb8-a8ff-1256297a7af3" providerId="ADAL" clId="{4CBBFCEA-3AE4-48B7-8492-0DE5B4D49A13}" dt="2020-05-13T15:29:55.035" v="254" actId="12"/>
-          <ac:spMkLst>
-            <pc:docMk/>
-            <pc:sldMk cId="4039348390" sldId="273"/>
-            <ac:spMk id="4" creationId="{2B688F05-1765-4EEA-954D-B282C4F4B8B4}"/>
-          </ac:spMkLst>
-        </pc:spChg>
-      </pc:sldChg>
-    </pc:docChg>
-  </pc:docChgLst>
-</pc:chgInfo>
 </file>
 
 <file path=ppt/notesMasters/notesMaster1.xml><?xml version="1.0" encoding="utf-8"?>
@@ -1201,7 +1143,7 @@
     </p:spTree>
     <p:extLst>
       <p:ext uri="{BB962C8B-B14F-4D97-AF65-F5344CB8AC3E}">
-        <p14:creationId xmlns:p14="http://schemas.microsoft.com/office/powerpoint/2010/main" val="4018301525"/>
+        <p14:creationId xmlns:p14="http://schemas.microsoft.com/office/powerpoint/2010/main" val="2037583408"/>
       </p:ext>
     </p:extLst>
   </p:cSld>
@@ -1212,6 +1154,115 @@
 </file>
 
 <file path=ppt/notesSlides/notesSlide5.xml><?xml version="1.0" encoding="utf-8"?>
+<p:notes xmlns:a="http://schemas.openxmlformats.org/drawingml/2006/main" xmlns:r="http://schemas.openxmlformats.org/officeDocument/2006/relationships" xmlns:p="http://schemas.openxmlformats.org/presentationml/2006/main" showMasterSp="0" showMasterPhAnim="0">
+  <p:cSld>
+    <p:spTree>
+      <p:nvGrpSpPr>
+        <p:cNvPr id="1" name="Shape 76"/>
+        <p:cNvGrpSpPr/>
+        <p:nvPr/>
+      </p:nvGrpSpPr>
+      <p:grpSpPr>
+        <a:xfrm>
+          <a:off x="0" y="0"/>
+          <a:ext cx="0" cy="0"/>
+          <a:chOff x="0" y="0"/>
+          <a:chExt cx="0" cy="0"/>
+        </a:xfrm>
+      </p:grpSpPr>
+      <p:sp>
+        <p:nvSpPr>
+          <p:cNvPr id="77" name="Google Shape;77;g543819cfbf_2_163:notes"/>
+          <p:cNvSpPr txBox="1">
+            <a:spLocks noGrp="1"/>
+          </p:cNvSpPr>
+          <p:nvPr>
+            <p:ph type="body" idx="1"/>
+          </p:nvPr>
+        </p:nvSpPr>
+        <p:spPr>
+          <a:xfrm>
+            <a:off x="685800" y="4343400"/>
+            <a:ext cx="5486400" cy="4114800"/>
+          </a:xfrm>
+          <a:prstGeom prst="rect">
+            <a:avLst/>
+          </a:prstGeom>
+        </p:spPr>
+        <p:txBody>
+          <a:bodyPr spcFirstLastPara="1" wrap="square" lIns="91425" tIns="91425" rIns="91425" bIns="91425" anchor="t" anchorCtr="0">
+            <a:noAutofit/>
+          </a:bodyPr>
+          <a:lstStyle/>
+          <a:p>
+            <a:pPr marL="0" lvl="0" indent="0" algn="l" rtl="0">
+              <a:spcBef>
+                <a:spcPts val="0"/>
+              </a:spcBef>
+              <a:spcAft>
+                <a:spcPts val="0"/>
+              </a:spcAft>
+              <a:buNone/>
+            </a:pPr>
+            <a:endParaRPr/>
+          </a:p>
+        </p:txBody>
+      </p:sp>
+      <p:sp>
+        <p:nvSpPr>
+          <p:cNvPr id="78" name="Google Shape;78;g543819cfbf_2_163:notes"/>
+          <p:cNvSpPr>
+            <a:spLocks noGrp="1" noRot="1" noChangeAspect="1"/>
+          </p:cNvSpPr>
+          <p:nvPr>
+            <p:ph type="sldImg" idx="2"/>
+          </p:nvPr>
+        </p:nvSpPr>
+        <p:spPr>
+          <a:xfrm>
+            <a:off x="381000" y="685800"/>
+            <a:ext cx="6096000" cy="3429000"/>
+          </a:xfrm>
+          <a:custGeom>
+            <a:avLst/>
+            <a:gdLst/>
+            <a:ahLst/>
+            <a:cxnLst/>
+            <a:rect l="l" t="t" r="r" b="b"/>
+            <a:pathLst>
+              <a:path w="120000" h="120000" extrusionOk="0">
+                <a:moveTo>
+                  <a:pt x="0" y="0"/>
+                </a:moveTo>
+                <a:lnTo>
+                  <a:pt x="120000" y="0"/>
+                </a:lnTo>
+                <a:lnTo>
+                  <a:pt x="120000" y="120000"/>
+                </a:lnTo>
+                <a:lnTo>
+                  <a:pt x="0" y="120000"/>
+                </a:lnTo>
+                <a:close/>
+              </a:path>
+            </a:pathLst>
+          </a:custGeom>
+        </p:spPr>
+      </p:sp>
+    </p:spTree>
+    <p:extLst>
+      <p:ext uri="{BB962C8B-B14F-4D97-AF65-F5344CB8AC3E}">
+        <p14:creationId xmlns:p14="http://schemas.microsoft.com/office/powerpoint/2010/main" val="1222388213"/>
+      </p:ext>
+    </p:extLst>
+  </p:cSld>
+  <p:clrMapOvr>
+    <a:masterClrMapping/>
+  </p:clrMapOvr>
+</p:notes>
+</file>
+
+<file path=ppt/notesSlides/notesSlide6.xml><?xml version="1.0" encoding="utf-8"?>
 <p:notes xmlns:a="http://schemas.openxmlformats.org/drawingml/2006/main" xmlns:r="http://schemas.openxmlformats.org/officeDocument/2006/relationships" xmlns:p="http://schemas.openxmlformats.org/presentationml/2006/main" showMasterSp="0" showMasterPhAnim="0">
   <p:cSld>
     <p:spTree>
@@ -6807,7 +6858,7 @@
               <a:buNone/>
             </a:pPr>
             <a:r>
-              <a:rPr lang="en-US" sz="3600" b="1" cap="none" dirty="0">
+              <a:rPr lang="en-US" sz="3600" b="1" cap="none" dirty="0" smtClean="0">
                 <a:solidFill>
                   <a:srgbClr val="0070C0"/>
                 </a:solidFill>
@@ -6817,6 +6868,18 @@
                 <a:sym typeface="Times New Roman"/>
               </a:rPr>
               <a:t>Cybersecurity in the Internet of Things</a:t>
+            </a:r>
+            <a:r>
+              <a:rPr lang="en" sz="3600" b="1" cap="none" dirty="0">
+                <a:solidFill>
+                  <a:srgbClr val="0070C0"/>
+                </a:solidFill>
+                <a:latin typeface="Times New Roman"/>
+                <a:ea typeface="Times New Roman"/>
+                <a:cs typeface="Times New Roman"/>
+                <a:sym typeface="Times New Roman"/>
+              </a:rPr>
+              <a:t/>
             </a:r>
             <a:br>
               <a:rPr lang="en" sz="3600" b="1" cap="none" dirty="0">
@@ -6830,7 +6893,7 @@
               </a:rPr>
             </a:br>
             <a:r>
-              <a:rPr lang="en" sz="3600" b="1" cap="none" dirty="0">
+              <a:rPr lang="en" sz="3600" b="1" cap="none" dirty="0" smtClean="0">
                 <a:solidFill>
                   <a:srgbClr val="0070C0"/>
                 </a:solidFill>
@@ -6842,7 +6905,7 @@
               <a:t>CS</a:t>
             </a:r>
             <a:r>
-              <a:rPr lang="en-US" sz="3600" b="1" cap="none" dirty="0">
+              <a:rPr lang="en-US" sz="3600" b="1" cap="none" dirty="0" smtClean="0">
                 <a:solidFill>
                   <a:srgbClr val="0070C0"/>
                 </a:solidFill>
@@ -6873,6 +6936,18 @@
               <a:buSzPts val="1900"/>
               <a:buNone/>
             </a:pPr>
+            <a:r>
+              <a:rPr lang="en" sz="2400" b="1" cap="none" dirty="0">
+                <a:solidFill>
+                  <a:srgbClr val="0070C0"/>
+                </a:solidFill>
+                <a:latin typeface="Times New Roman"/>
+                <a:ea typeface="Times New Roman"/>
+                <a:cs typeface="Times New Roman"/>
+                <a:sym typeface="Times New Roman"/>
+              </a:rPr>
+              <a:t/>
+            </a:r>
             <a:br>
               <a:rPr lang="en" sz="2400" b="1" cap="none" dirty="0">
                 <a:solidFill>
@@ -6909,7 +6984,7 @@
               <a:t>Professor : </a:t>
             </a:r>
             <a:r>
-              <a:rPr lang="en-US" sz="2000" b="1" cap="none" dirty="0">
+              <a:rPr lang="en-US" sz="2000" b="1" cap="none" dirty="0" smtClean="0">
                 <a:solidFill>
                   <a:srgbClr val="0070C0"/>
                 </a:solidFill>
@@ -6921,7 +6996,7 @@
               <a:t>Dr. </a:t>
             </a:r>
             <a:r>
-              <a:rPr lang="en-US" sz="2000" b="1" cap="none" dirty="0" err="1">
+              <a:rPr lang="en-US" sz="2000" b="1" cap="none" dirty="0" err="1" smtClean="0">
                 <a:solidFill>
                   <a:srgbClr val="0070C0"/>
                 </a:solidFill>
@@ -6933,7 +7008,7 @@
               <a:t>Xiaohui</a:t>
             </a:r>
             <a:r>
-              <a:rPr lang="en-US" sz="2000" b="1" cap="none" dirty="0">
+              <a:rPr lang="en-US" sz="2000" b="1" cap="none" dirty="0" smtClean="0">
                 <a:solidFill>
                   <a:srgbClr val="0070C0"/>
                 </a:solidFill>
@@ -6993,7 +7068,7 @@
               <a:t> </a:t>
             </a:r>
             <a:r>
-              <a:rPr lang="en-US" sz="2000" b="1" dirty="0">
+              <a:rPr lang="en-US" sz="2000" b="1" dirty="0" smtClean="0">
                 <a:solidFill>
                   <a:srgbClr val="0070C0"/>
                 </a:solidFill>
@@ -7005,7 +7080,7 @@
               <a:t>May</a:t>
             </a:r>
             <a:r>
-              <a:rPr lang="en" sz="2000" b="1" cap="none" dirty="0">
+              <a:rPr lang="en" sz="2000" b="1" cap="none" dirty="0" smtClean="0">
                 <a:solidFill>
                   <a:srgbClr val="0070C0"/>
                 </a:solidFill>
@@ -7014,7 +7089,31 @@
                 <a:cs typeface="Times New Roman"/>
                 <a:sym typeface="Times New Roman"/>
               </a:rPr>
-              <a:t> 2019</a:t>
+              <a:t> </a:t>
+            </a:r>
+            <a:r>
+              <a:rPr lang="en-US" sz="2000" b="1" cap="none" dirty="0" smtClean="0">
+                <a:solidFill>
+                  <a:srgbClr val="0070C0"/>
+                </a:solidFill>
+                <a:latin typeface="Times New Roman"/>
+                <a:ea typeface="Times New Roman"/>
+                <a:cs typeface="Times New Roman"/>
+                <a:sym typeface="Times New Roman"/>
+              </a:rPr>
+              <a:t>13/</a:t>
+            </a:r>
+            <a:r>
+              <a:rPr lang="en" sz="2000" b="1" cap="none" dirty="0" smtClean="0">
+                <a:solidFill>
+                  <a:srgbClr val="0070C0"/>
+                </a:solidFill>
+                <a:latin typeface="Times New Roman"/>
+                <a:ea typeface="Times New Roman"/>
+                <a:cs typeface="Times New Roman"/>
+                <a:sym typeface="Times New Roman"/>
+              </a:rPr>
+              <a:t>2019</a:t>
             </a:r>
             <a:endParaRPr sz="1050" b="1" cap="none" dirty="0">
               <a:solidFill>
@@ -7231,10 +7330,22 @@
                 <a:cs typeface="Times New Roman"/>
                 <a:sym typeface="Times New Roman"/>
               </a:rPr>
-              <a:t>   By: </a:t>
+              <a:t>   </a:t>
             </a:r>
             <a:r>
-              <a:rPr lang="en-US" sz="2000" dirty="0" err="1">
+              <a:rPr lang="en-US" sz="2000" dirty="0" smtClean="0">
+                <a:solidFill>
+                  <a:srgbClr val="0070C0"/>
+                </a:solidFill>
+                <a:latin typeface="Times New Roman"/>
+                <a:ea typeface="Times New Roman"/>
+                <a:cs typeface="Times New Roman"/>
+                <a:sym typeface="Times New Roman"/>
+              </a:rPr>
+              <a:t>By: </a:t>
+            </a:r>
+            <a:r>
+              <a:rPr lang="en-US" sz="2000" dirty="0" err="1" smtClean="0">
                 <a:solidFill>
                   <a:srgbClr val="0070C0"/>
                 </a:solidFill>
@@ -7246,7 +7357,7 @@
               <a:t>Jesh</a:t>
             </a:r>
             <a:r>
-              <a:rPr lang="en-US" sz="2000" dirty="0">
+              <a:rPr lang="en-US" sz="2000" dirty="0" smtClean="0">
                 <a:solidFill>
                   <a:srgbClr val="0070C0"/>
                 </a:solidFill>
@@ -7258,7 +7369,7 @@
               <a:t> </a:t>
             </a:r>
             <a:r>
-              <a:rPr lang="en-US" sz="2000" dirty="0" err="1">
+              <a:rPr lang="en-US" sz="2000" dirty="0" err="1" smtClean="0">
                 <a:solidFill>
                   <a:srgbClr val="0070C0"/>
                 </a:solidFill>
@@ -7299,10 +7410,22 @@
                 <a:cs typeface="Times New Roman"/>
                 <a:sym typeface="Times New Roman"/>
               </a:rPr>
-              <a:t>        : </a:t>
+              <a:t>   </a:t>
             </a:r>
             <a:r>
-              <a:rPr lang="en-US" sz="2000" dirty="0" err="1">
+              <a:rPr lang="en-US" sz="2000" dirty="0" smtClean="0">
+                <a:solidFill>
+                  <a:srgbClr val="0070C0"/>
+                </a:solidFill>
+                <a:latin typeface="Times New Roman"/>
+                <a:ea typeface="Times New Roman"/>
+                <a:cs typeface="Times New Roman"/>
+                <a:sym typeface="Times New Roman"/>
+              </a:rPr>
+              <a:t>     : </a:t>
+            </a:r>
+            <a:r>
+              <a:rPr lang="en-US" sz="2000" dirty="0" err="1" smtClean="0">
                 <a:solidFill>
                   <a:srgbClr val="0070C0"/>
                 </a:solidFill>
@@ -7314,7 +7437,7 @@
               <a:t>Birva</a:t>
             </a:r>
             <a:r>
-              <a:rPr lang="en-US" sz="2000" dirty="0">
+              <a:rPr lang="en-US" sz="2000" dirty="0" smtClean="0">
                 <a:solidFill>
                   <a:srgbClr val="0070C0"/>
                 </a:solidFill>
@@ -7326,7 +7449,7 @@
               <a:t> </a:t>
             </a:r>
             <a:r>
-              <a:rPr lang="en-US" sz="2000" dirty="0" err="1">
+              <a:rPr lang="en-US" sz="2000" dirty="0" err="1" smtClean="0">
                 <a:solidFill>
                   <a:srgbClr val="0070C0"/>
                 </a:solidFill>
@@ -7511,6 +7634,13 @@
       </p:transition>
     </mc:Fallback>
   </mc:AlternateContent>
+  <p:timing>
+    <p:tnLst>
+      <p:par>
+        <p:cTn id="1" dur="indefinite" restart="never" nodeType="tmRoot"/>
+      </p:par>
+    </p:tnLst>
+  </p:timing>
 </p:sld>
 </file>
 
@@ -7585,8 +7715,8 @@
         </p:nvSpPr>
         <p:spPr>
           <a:xfrm>
-            <a:off x="513645" y="491065"/>
-            <a:ext cx="7845778" cy="1708160"/>
+            <a:off x="654756" y="327376"/>
+            <a:ext cx="7845778" cy="3970318"/>
           </a:xfrm>
           <a:prstGeom prst="rect">
             <a:avLst/>
@@ -7605,7 +7735,7 @@
               </a:lnSpc>
             </a:pPr>
             <a:r>
-              <a:rPr lang="en-US" dirty="0">
+              <a:rPr lang="en-US" dirty="0" smtClean="0">
                 <a:solidFill>
                   <a:schemeClr val="accent5">
                     <a:lumMod val="60000"/>
@@ -7613,17 +7743,168 @@
                   </a:schemeClr>
                 </a:solidFill>
               </a:rPr>
-              <a:t>Smart Cart: </a:t>
+              <a:t>Alexa “Smart Cart” Skill</a:t>
             </a:r>
+          </a:p>
+          <a:p>
+            <a:pPr>
+              <a:lnSpc>
+                <a:spcPct val="150000"/>
+              </a:lnSpc>
+            </a:pPr>
+            <a:endParaRPr lang="en-US" dirty="0" smtClean="0">
+              <a:solidFill>
+                <a:schemeClr val="accent5">
+                  <a:lumMod val="60000"/>
+                  <a:lumOff val="40000"/>
+                </a:schemeClr>
+              </a:solidFill>
+            </a:endParaRPr>
+          </a:p>
+          <a:p>
+            <a:pPr marL="285750" indent="-285750">
+              <a:lnSpc>
+                <a:spcPct val="150000"/>
+              </a:lnSpc>
+              <a:buFont typeface="Wingdings" charset="2"/>
+              <a:buChar char="Ø"/>
+            </a:pPr>
+            <a:r>
+              <a:rPr lang="en-US" dirty="0">
+                <a:solidFill>
+                  <a:srgbClr val="FFFFFF"/>
+                </a:solidFill>
+              </a:rPr>
+              <a:t>We have built a custom Alexa skill with the capability to manage our shopping </a:t>
+            </a:r>
+            <a:r>
+              <a:rPr lang="en-US" dirty="0" smtClean="0">
+                <a:solidFill>
+                  <a:srgbClr val="FFFFFF"/>
+                </a:solidFill>
+              </a:rPr>
+              <a:t>activity.</a:t>
+            </a:r>
+          </a:p>
+          <a:p>
+            <a:pPr marL="285750" indent="-285750">
+              <a:lnSpc>
+                <a:spcPct val="150000"/>
+              </a:lnSpc>
+              <a:buFont typeface="Wingdings" charset="2"/>
+              <a:buChar char="Ø"/>
+            </a:pPr>
+            <a:r>
+              <a:rPr lang="en-US" dirty="0">
+                <a:solidFill>
+                  <a:srgbClr val="FFFFFF"/>
+                </a:solidFill>
+              </a:rPr>
+              <a:t>Smart cart skill had designed with add, remove, </a:t>
+            </a:r>
+            <a:r>
+              <a:rPr lang="en-US" dirty="0" smtClean="0">
+                <a:solidFill>
+                  <a:srgbClr val="FFFFFF"/>
+                </a:solidFill>
+              </a:rPr>
+              <a:t>list, and </a:t>
+            </a:r>
+            <a:r>
+              <a:rPr lang="en-US" dirty="0">
+                <a:solidFill>
+                  <a:srgbClr val="FFFFFF"/>
+                </a:solidFill>
+              </a:rPr>
+              <a:t>checkout </a:t>
+            </a:r>
+            <a:r>
+              <a:rPr lang="en-US" dirty="0" smtClean="0">
+                <a:solidFill>
+                  <a:srgbClr val="FFFFFF"/>
+                </a:solidFill>
+              </a:rPr>
+              <a:t>intents. </a:t>
+            </a:r>
+          </a:p>
+          <a:p>
+            <a:pPr marL="285750" indent="-285750">
+              <a:lnSpc>
+                <a:spcPct val="150000"/>
+              </a:lnSpc>
+              <a:buFont typeface="Wingdings" charset="2"/>
+              <a:buChar char="Ø"/>
+            </a:pPr>
+            <a:r>
+              <a:rPr lang="en-US" dirty="0">
+                <a:solidFill>
+                  <a:srgbClr val="FFFFFF"/>
+                </a:solidFill>
+              </a:rPr>
+              <a:t>It is a voice-controlled grocery shopping. The primary goal is building Alexa skill, which helps us to manage our grocery shopping list. We had implemented add Item, remove Item, list all item functionality</a:t>
+            </a:r>
+            <a:r>
+              <a:rPr lang="en-US" dirty="0" smtClean="0">
+                <a:solidFill>
+                  <a:srgbClr val="FFFFFF"/>
+                </a:solidFill>
+              </a:rPr>
+              <a:t>.</a:t>
+            </a:r>
+          </a:p>
+          <a:p>
+            <a:pPr marL="285750" indent="-285750">
+              <a:lnSpc>
+                <a:spcPct val="150000"/>
+              </a:lnSpc>
+              <a:buFont typeface="Wingdings" charset="2"/>
+              <a:buChar char="Ø"/>
+            </a:pPr>
+            <a:r>
+              <a:rPr lang="en-US" dirty="0">
+                <a:solidFill>
+                  <a:srgbClr val="FFFFFF"/>
+                </a:solidFill>
+              </a:rPr>
+              <a:t>When the user invokes the skill name open “smart cart”, the custom skill will start with a welcome greeting.</a:t>
+            </a:r>
+            <a:endParaRPr lang="en-US" dirty="0" smtClean="0">
+              <a:solidFill>
+                <a:srgbClr val="FFFFFF"/>
+              </a:solidFill>
+            </a:endParaRPr>
+          </a:p>
+          <a:p>
+            <a:pPr marL="285750" indent="-285750">
+              <a:lnSpc>
+                <a:spcPct val="150000"/>
+              </a:lnSpc>
+              <a:buFont typeface="Wingdings" charset="2"/>
+              <a:buChar char="Ø"/>
+            </a:pPr>
             <a:r>
               <a:rPr lang="en-US" dirty="0">
                 <a:solidFill>
                   <a:schemeClr val="bg1"/>
                 </a:solidFill>
               </a:rPr>
-              <a:t>In this hard pandemic time, minimizing contact from a lot of things we used in our daily life reduces the risk of getting COVID-19. Understanding the fact, we came up with an idea to implement voice-controlled grocery shopping. The primary goal is building Alexa skill, which helps us to manage our grocery shopping list. We will implement add order remove order and much more functionality based on time and resources available. </a:t>
+              <a:t>When the user wants to add an item or items, the user has to say “add 4 pieces of Avocado”, and for remove, it is similar, quantity followed by item name.</a:t>
             </a:r>
-            <a:endParaRPr lang="en-US" dirty="0">
+            <a:endParaRPr lang="en-US" dirty="0" smtClean="0">
+              <a:solidFill>
+                <a:schemeClr val="bg1"/>
+              </a:solidFill>
+            </a:endParaRPr>
+          </a:p>
+          <a:p>
+            <a:pPr marL="285750" indent="-285750">
+              <a:lnSpc>
+                <a:spcPct val="150000"/>
+              </a:lnSpc>
+              <a:buFont typeface="Wingdings" charset="2"/>
+              <a:buChar char="Ø"/>
+            </a:pPr>
+            <a:endParaRPr lang="en-US" dirty="0" smtClean="0">
               <a:solidFill>
                 <a:schemeClr val="bg1"/>
               </a:solidFill>
@@ -7651,6 +7932,13 @@
       </p:transition>
     </mc:Fallback>
   </mc:AlternateContent>
+  <p:timing>
+    <p:tnLst>
+      <p:par>
+        <p:cTn id="1" dur="indefinite" restart="never" nodeType="tmRoot"/>
+      </p:par>
+    </p:tnLst>
+  </p:timing>
 </p:sld>
 </file>
 
@@ -7726,7 +8014,7 @@
         <p:spPr>
           <a:xfrm>
             <a:off x="502356" y="491065"/>
-            <a:ext cx="7845778" cy="1061829"/>
+            <a:ext cx="7845778" cy="2031325"/>
           </a:xfrm>
           <a:prstGeom prst="rect">
             <a:avLst/>
@@ -7739,25 +8027,30 @@
           </a:bodyPr>
           <a:lstStyle/>
           <a:p>
-            <a:pPr>
+            <a:pPr marL="285750" indent="-285750">
               <a:lnSpc>
                 <a:spcPct val="150000"/>
               </a:lnSpc>
+              <a:buFont typeface="Wingdings" charset="2"/>
+              <a:buChar char="Ø"/>
             </a:pPr>
-            <a:r>
-              <a:rPr lang="en-US" dirty="0">
-                <a:solidFill>
-                  <a:schemeClr val="accent5">
-                    <a:lumMod val="60000"/>
-                    <a:lumOff val="40000"/>
-                  </a:schemeClr>
-                </a:solidFill>
-                <a:latin typeface="+mj-lt"/>
-                <a:ea typeface="Times New Roman" charset="0"/>
-                <a:cs typeface="Times New Roman" charset="0"/>
-              </a:rPr>
-              <a:t>Smart Cart: </a:t>
-            </a:r>
+            <a:endParaRPr lang="en-US" dirty="0" smtClean="0">
+              <a:solidFill>
+                <a:srgbClr val="FFFFFF"/>
+              </a:solidFill>
+              <a:latin typeface="+mj-lt"/>
+              <a:ea typeface="Times New Roman" charset="0"/>
+              <a:cs typeface="Times New Roman" charset="0"/>
+            </a:endParaRPr>
+          </a:p>
+          <a:p>
+            <a:pPr marL="285750" indent="-285750">
+              <a:lnSpc>
+                <a:spcPct val="150000"/>
+              </a:lnSpc>
+              <a:buFont typeface="Wingdings" charset="2"/>
+              <a:buChar char="Ø"/>
+            </a:pPr>
             <a:r>
               <a:rPr lang="en-US" dirty="0">
                 <a:solidFill>
@@ -7767,21 +8060,10 @@
                 <a:ea typeface="Times New Roman" charset="0"/>
                 <a:cs typeface="Times New Roman" charset="0"/>
               </a:rPr>
-              <a:t>The skill we have to build is a smart cart grocery order assistant called “S cart”. The user can add, remove/delete, and checkout grocery items. The record will be stored in AWS Dynamo DB - a no SQL DB, which is unstructured, and linked with it with a </a:t>
+              <a:t>Initially, We have tried to store the record in AWS Dynamo DB - a no SQL DB, which is unstructured, and linked with it with a given user ID</a:t>
             </a:r>
             <a:r>
-              <a:rPr lang="en-US" dirty="0" err="1">
-                <a:solidFill>
-                  <a:srgbClr val="FFFFFF"/>
-                </a:solidFill>
-                <a:latin typeface="+mj-lt"/>
-                <a:ea typeface="Times New Roman" charset="0"/>
-                <a:cs typeface="Times New Roman" charset="0"/>
-              </a:rPr>
-              <a:t>userId</a:t>
-            </a:r>
-            <a:r>
-              <a:rPr lang="en-US" dirty="0">
+              <a:rPr lang="en-US" dirty="0" smtClean="0">
                 <a:solidFill>
                   <a:srgbClr val="FFFFFF"/>
                 </a:solidFill>
@@ -7791,6 +8073,54 @@
               </a:rPr>
               <a:t>.</a:t>
             </a:r>
+          </a:p>
+          <a:p>
+            <a:pPr marL="285750" indent="-285750">
+              <a:lnSpc>
+                <a:spcPct val="150000"/>
+              </a:lnSpc>
+              <a:buFont typeface="Wingdings" charset="2"/>
+              <a:buChar char="Ø"/>
+            </a:pPr>
+            <a:r>
+              <a:rPr lang="en-US" dirty="0" smtClean="0">
+                <a:solidFill>
+                  <a:srgbClr val="FFFFFF"/>
+                </a:solidFill>
+                <a:latin typeface="+mj-lt"/>
+                <a:ea typeface="Times New Roman" charset="0"/>
+                <a:cs typeface="Times New Roman" charset="0"/>
+              </a:rPr>
+              <a:t>We have got some IAM policy configuration issue and implemented just using front end, and lambda.</a:t>
+            </a:r>
+          </a:p>
+          <a:p>
+            <a:pPr marL="285750" indent="-285750">
+              <a:lnSpc>
+                <a:spcPct val="150000"/>
+              </a:lnSpc>
+              <a:buFont typeface="Wingdings" charset="2"/>
+              <a:buChar char="Ø"/>
+            </a:pPr>
+            <a:r>
+              <a:rPr lang="en-US" dirty="0" smtClean="0">
+                <a:solidFill>
+                  <a:srgbClr val="FFFFFF"/>
+                </a:solidFill>
+                <a:latin typeface="+mj-lt"/>
+                <a:ea typeface="Times New Roman" charset="0"/>
+                <a:cs typeface="Times New Roman" charset="0"/>
+              </a:rPr>
+              <a:t>Intent is just a method, and slot is a bucket or variable.</a:t>
+            </a:r>
+            <a:endParaRPr lang="en-US" dirty="0">
+              <a:solidFill>
+                <a:srgbClr val="FFFFFF"/>
+              </a:solidFill>
+              <a:latin typeface="+mj-lt"/>
+              <a:ea typeface="Times New Roman" charset="0"/>
+              <a:cs typeface="Times New Roman" charset="0"/>
+            </a:endParaRPr>
           </a:p>
         </p:txBody>
       </p:sp>
@@ -7816,6 +8146,13 @@
       </p:transition>
     </mc:Fallback>
   </mc:AlternateContent>
+  <p:timing>
+    <p:tnLst>
+      <p:par>
+        <p:cTn id="1" dur="indefinite" restart="never" nodeType="tmRoot"/>
+      </p:par>
+    </p:tnLst>
+  </p:timing>
 </p:sld>
 </file>
 
@@ -7887,7 +8224,7 @@
           <p:cNvPr id="3" name="Title 2">
             <a:extLst>
               <a:ext uri="{FF2B5EF4-FFF2-40B4-BE49-F238E27FC236}">
-                <a16:creationId xmlns:a16="http://schemas.microsoft.com/office/drawing/2014/main" id="{FBD831AA-5512-4D4F-B706-C415E2EB275E}"/>
+                <a16:creationId xmlns:a16="http://schemas.microsoft.com/office/drawing/2014/main" xmlns="" id="{FBD831AA-5512-4D4F-B706-C415E2EB275E}"/>
               </a:ext>
             </a:extLst>
           </p:cNvPr>
@@ -7919,7 +8256,7 @@
           <p:cNvPr id="4" name="Text Placeholder 3">
             <a:extLst>
               <a:ext uri="{FF2B5EF4-FFF2-40B4-BE49-F238E27FC236}">
-                <a16:creationId xmlns:a16="http://schemas.microsoft.com/office/drawing/2014/main" id="{2B688F05-1765-4EEA-954D-B282C4F4B8B4}"/>
+                <a16:creationId xmlns:a16="http://schemas.microsoft.com/office/drawing/2014/main" xmlns="" id="{2B688F05-1765-4EEA-954D-B282C4F4B8B4}"/>
               </a:ext>
             </a:extLst>
           </p:cNvPr>
@@ -8024,7 +8361,7 @@
     </p:spTree>
     <p:extLst>
       <p:ext uri="{BB962C8B-B14F-4D97-AF65-F5344CB8AC3E}">
-        <p14:creationId xmlns:p14="http://schemas.microsoft.com/office/powerpoint/2010/main" val="4039348390"/>
+        <p14:creationId xmlns:p14="http://schemas.microsoft.com/office/powerpoint/2010/main" val="295277254"/>
       </p:ext>
     </p:extLst>
   </p:cSld>
@@ -8059,7 +8396,7 @@
     </p:bg>
     <p:spTree>
       <p:nvGrpSpPr>
-        <p:cNvPr id="1" name=""/>
+        <p:cNvPr id="1" name="Shape 79"/>
         <p:cNvGrpSpPr/>
         <p:nvPr/>
       </p:nvGrpSpPr>
@@ -8073,13 +8410,45 @@
       </p:grpSpPr>
       <p:sp>
         <p:nvSpPr>
-          <p:cNvPr id="2" name="Title 1">
-            <a:extLst>
-              <a:ext uri="{FF2B5EF4-FFF2-40B4-BE49-F238E27FC236}">
-                <a16:creationId xmlns:a16="http://schemas.microsoft.com/office/drawing/2014/main" id="{2201B285-C838-49C8-A084-84E386DD1742}"/>
-              </a:ext>
-            </a:extLst>
-          </p:cNvPr>
+          <p:cNvPr id="80" name="Google Shape;80;p17"/>
+          <p:cNvSpPr txBox="1"/>
+          <p:nvPr/>
+        </p:nvSpPr>
+        <p:spPr>
+          <a:xfrm>
+            <a:off x="5672200" y="4569600"/>
+            <a:ext cx="2386800" cy="573900"/>
+          </a:xfrm>
+          <a:prstGeom prst="rect">
+            <a:avLst/>
+          </a:prstGeom>
+          <a:noFill/>
+          <a:ln>
+            <a:noFill/>
+          </a:ln>
+        </p:spPr>
+        <p:txBody>
+          <a:bodyPr spcFirstLastPara="1" wrap="square" lIns="91425" tIns="91425" rIns="91425" bIns="91425" anchor="t" anchorCtr="0">
+            <a:noAutofit/>
+          </a:bodyPr>
+          <a:lstStyle/>
+          <a:p>
+            <a:pPr marL="0" lvl="0" indent="0" algn="l" rtl="0">
+              <a:spcBef>
+                <a:spcPts val="0"/>
+              </a:spcBef>
+              <a:spcAft>
+                <a:spcPts val="0"/>
+              </a:spcAft>
+              <a:buNone/>
+            </a:pPr>
+            <a:endParaRPr/>
+          </a:p>
+        </p:txBody>
+      </p:sp>
+      <p:sp>
+        <p:nvSpPr>
+          <p:cNvPr id="2" name="Title 1"/>
           <p:cNvSpPr>
             <a:spLocks noGrp="1"/>
           </p:cNvSpPr>
@@ -8092,20 +8461,44 @@
           <a:bodyPr/>
           <a:lstStyle/>
           <a:p>
-            <a:endParaRPr lang="en-US"/>
+            <a:r>
+              <a:rPr lang="en-US" dirty="0" smtClean="0">
+                <a:solidFill>
+                  <a:srgbClr val="FFFFFF"/>
+                </a:solidFill>
+              </a:rPr>
+              <a:t>Demo:</a:t>
+            </a:r>
+            <a:endParaRPr lang="en-US" dirty="0">
+              <a:solidFill>
+                <a:srgbClr val="FFFFFF"/>
+              </a:solidFill>
+            </a:endParaRPr>
           </a:p>
         </p:txBody>
       </p:sp>
     </p:spTree>
     <p:extLst>
       <p:ext uri="{BB962C8B-B14F-4D97-AF65-F5344CB8AC3E}">
-        <p14:creationId xmlns:p14="http://schemas.microsoft.com/office/powerpoint/2010/main" val="3438216459"/>
+        <p14:creationId xmlns:p14="http://schemas.microsoft.com/office/powerpoint/2010/main" val="57698430"/>
       </p:ext>
     </p:extLst>
   </p:cSld>
   <p:clrMapOvr>
     <a:masterClrMapping/>
   </p:clrMapOvr>
+  <mc:AlternateContent xmlns:mc="http://schemas.openxmlformats.org/markup-compatibility/2006" xmlns:p15="http://schemas.microsoft.com/office/powerpoint/2012/main">
+    <mc:Choice Requires="p15">
+      <p:transition xmlns:p14="http://schemas.microsoft.com/office/powerpoint/2010/main" spd="slow" p14:dur="1250">
+        <p15:prstTrans prst="peelOff"/>
+      </p:transition>
+    </mc:Choice>
+    <mc:Fallback xmlns="">
+      <p:transition spd="slow">
+        <p:fade/>
+      </p:transition>
+    </mc:Fallback>
+  </mc:AlternateContent>
 </p:sld>
 </file>
 
@@ -8228,6 +8621,13 @@
       </p:transition>
     </mc:Fallback>
   </mc:AlternateContent>
+  <p:timing>
+    <p:tnLst>
+      <p:par>
+        <p:cTn id="1" dur="indefinite" restart="never" nodeType="tmRoot"/>
+      </p:par>
+    </p:tnLst>
+  </p:timing>
 </p:sld>
 </file>
 
